--- a/Module 01 MicroServices.pptx
+++ b/Module 01 MicroServices.pptx
@@ -5,7 +5,7 @@
     <p:sldMasterId id="2147483648" r:id="rId1"/>
   </p:sldMasterIdLst>
   <p:notesMasterIdLst>
-    <p:notesMasterId r:id="rId25"/>
+    <p:notesMasterId r:id="rId29"/>
   </p:notesMasterIdLst>
   <p:sldIdLst>
     <p:sldId id="256" r:id="rId2"/>
@@ -14,23 +14,27 @@
     <p:sldId id="259" r:id="rId5"/>
     <p:sldId id="269" r:id="rId6"/>
     <p:sldId id="270" r:id="rId7"/>
-    <p:sldId id="271" r:id="rId8"/>
-    <p:sldId id="272" r:id="rId9"/>
-    <p:sldId id="273" r:id="rId10"/>
-    <p:sldId id="274" r:id="rId11"/>
-    <p:sldId id="275" r:id="rId12"/>
-    <p:sldId id="276" r:id="rId13"/>
-    <p:sldId id="277" r:id="rId14"/>
-    <p:sldId id="278" r:id="rId15"/>
-    <p:sldId id="279" r:id="rId16"/>
-    <p:sldId id="280" r:id="rId17"/>
-    <p:sldId id="281" r:id="rId18"/>
-    <p:sldId id="282" r:id="rId19"/>
-    <p:sldId id="283" r:id="rId20"/>
-    <p:sldId id="284" r:id="rId21"/>
-    <p:sldId id="285" r:id="rId22"/>
-    <p:sldId id="286" r:id="rId23"/>
-    <p:sldId id="268" r:id="rId24"/>
+    <p:sldId id="288" r:id="rId8"/>
+    <p:sldId id="287" r:id="rId9"/>
+    <p:sldId id="271" r:id="rId10"/>
+    <p:sldId id="272" r:id="rId11"/>
+    <p:sldId id="273" r:id="rId12"/>
+    <p:sldId id="274" r:id="rId13"/>
+    <p:sldId id="275" r:id="rId14"/>
+    <p:sldId id="276" r:id="rId15"/>
+    <p:sldId id="277" r:id="rId16"/>
+    <p:sldId id="278" r:id="rId17"/>
+    <p:sldId id="279" r:id="rId18"/>
+    <p:sldId id="280" r:id="rId19"/>
+    <p:sldId id="281" r:id="rId20"/>
+    <p:sldId id="282" r:id="rId21"/>
+    <p:sldId id="289" r:id="rId22"/>
+    <p:sldId id="290" r:id="rId23"/>
+    <p:sldId id="283" r:id="rId24"/>
+    <p:sldId id="284" r:id="rId25"/>
+    <p:sldId id="285" r:id="rId26"/>
+    <p:sldId id="286" r:id="rId27"/>
+    <p:sldId id="268" r:id="rId28"/>
   </p:sldIdLst>
   <p:sldSz cx="9144000" cy="6858000" type="screen4x3"/>
   <p:notesSz cx="6858000" cy="9144000"/>
@@ -255,7 +259,7 @@
             <a:fld id="{91AA33BB-5012-4FA9-BC94-2423B0F96BF0}" type="datetimeFigureOut">
               <a:rPr lang="en-US" smtClean="0"/>
               <a:pPr/>
-              <a:t>7/4/19</a:t>
+              <a:t>8/6/19</a:t>
             </a:fld>
             <a:endParaRPr lang="en-US"/>
           </a:p>
@@ -654,6 +658,12 @@
           <a:bodyPr/>
           <a:lstStyle/>
           <a:p>
+            <a:r>
+              <a:rPr lang="en-US" dirty="0"/>
+              <a:t>Microservice. – has his own datastore and only it has access to it, so no other service will brake the schema</a:t>
+            </a:r>
+          </a:p>
+          <a:p>
             <a:endParaRPr lang="en-US" dirty="0"/>
           </a:p>
         </p:txBody>
@@ -685,7 +695,7 @@
     </p:spTree>
     <p:extLst>
       <p:ext uri="{BB962C8B-B14F-4D97-AF65-F5344CB8AC3E}">
-        <p14:creationId xmlns:p14="http://schemas.microsoft.com/office/powerpoint/2010/main" val="3967725537"/>
+        <p14:creationId xmlns:p14="http://schemas.microsoft.com/office/powerpoint/2010/main" val="495837857"/>
       </p:ext>
     </p:extLst>
   </p:cSld>
@@ -770,7 +780,7 @@
     </p:spTree>
     <p:extLst>
       <p:ext uri="{BB962C8B-B14F-4D97-AF65-F5344CB8AC3E}">
-        <p14:creationId xmlns:p14="http://schemas.microsoft.com/office/powerpoint/2010/main" val="3222856468"/>
+        <p14:creationId xmlns:p14="http://schemas.microsoft.com/office/powerpoint/2010/main" val="978626130"/>
       </p:ext>
     </p:extLst>
   </p:cSld>
@@ -855,7 +865,7 @@
     </p:spTree>
     <p:extLst>
       <p:ext uri="{BB962C8B-B14F-4D97-AF65-F5344CB8AC3E}">
-        <p14:creationId xmlns:p14="http://schemas.microsoft.com/office/powerpoint/2010/main" val="461313472"/>
+        <p14:creationId xmlns:p14="http://schemas.microsoft.com/office/powerpoint/2010/main" val="3967725537"/>
       </p:ext>
     </p:extLst>
   </p:cSld>
@@ -940,7 +950,7 @@
     </p:spTree>
     <p:extLst>
       <p:ext uri="{BB962C8B-B14F-4D97-AF65-F5344CB8AC3E}">
-        <p14:creationId xmlns:p14="http://schemas.microsoft.com/office/powerpoint/2010/main" val="3071351486"/>
+        <p14:creationId xmlns:p14="http://schemas.microsoft.com/office/powerpoint/2010/main" val="3222856468"/>
       </p:ext>
     </p:extLst>
   </p:cSld>
@@ -1025,7 +1035,7 @@
     </p:spTree>
     <p:extLst>
       <p:ext uri="{BB962C8B-B14F-4D97-AF65-F5344CB8AC3E}">
-        <p14:creationId xmlns:p14="http://schemas.microsoft.com/office/powerpoint/2010/main" val="3526885260"/>
+        <p14:creationId xmlns:p14="http://schemas.microsoft.com/office/powerpoint/2010/main" val="461313472"/>
       </p:ext>
     </p:extLst>
   </p:cSld>
@@ -1110,7 +1120,7 @@
     </p:spTree>
     <p:extLst>
       <p:ext uri="{BB962C8B-B14F-4D97-AF65-F5344CB8AC3E}">
-        <p14:creationId xmlns:p14="http://schemas.microsoft.com/office/powerpoint/2010/main" val="1031578796"/>
+        <p14:creationId xmlns:p14="http://schemas.microsoft.com/office/powerpoint/2010/main" val="3071351486"/>
       </p:ext>
     </p:extLst>
   </p:cSld>
@@ -1195,7 +1205,7 @@
     </p:spTree>
     <p:extLst>
       <p:ext uri="{BB962C8B-B14F-4D97-AF65-F5344CB8AC3E}">
-        <p14:creationId xmlns:p14="http://schemas.microsoft.com/office/powerpoint/2010/main" val="865577975"/>
+        <p14:creationId xmlns:p14="http://schemas.microsoft.com/office/powerpoint/2010/main" val="3526885260"/>
       </p:ext>
     </p:extLst>
   </p:cSld>
@@ -1280,7 +1290,7 @@
     </p:spTree>
     <p:extLst>
       <p:ext uri="{BB962C8B-B14F-4D97-AF65-F5344CB8AC3E}">
-        <p14:creationId xmlns:p14="http://schemas.microsoft.com/office/powerpoint/2010/main" val="598087223"/>
+        <p14:creationId xmlns:p14="http://schemas.microsoft.com/office/powerpoint/2010/main" val="1031578796"/>
       </p:ext>
     </p:extLst>
   </p:cSld>
@@ -1365,7 +1375,7 @@
     </p:spTree>
     <p:extLst>
       <p:ext uri="{BB962C8B-B14F-4D97-AF65-F5344CB8AC3E}">
-        <p14:creationId xmlns:p14="http://schemas.microsoft.com/office/powerpoint/2010/main" val="3936849342"/>
+        <p14:creationId xmlns:p14="http://schemas.microsoft.com/office/powerpoint/2010/main" val="865577975"/>
       </p:ext>
     </p:extLst>
   </p:cSld>
@@ -1450,7 +1460,7 @@
     </p:spTree>
     <p:extLst>
       <p:ext uri="{BB962C8B-B14F-4D97-AF65-F5344CB8AC3E}">
-        <p14:creationId xmlns:p14="http://schemas.microsoft.com/office/powerpoint/2010/main" val="1189269232"/>
+        <p14:creationId xmlns:p14="http://schemas.microsoft.com/office/powerpoint/2010/main" val="598087223"/>
       </p:ext>
     </p:extLst>
   </p:cSld>
@@ -1620,7 +1630,7 @@
     </p:spTree>
     <p:extLst>
       <p:ext uri="{BB962C8B-B14F-4D97-AF65-F5344CB8AC3E}">
-        <p14:creationId xmlns:p14="http://schemas.microsoft.com/office/powerpoint/2010/main" val="2970054061"/>
+        <p14:creationId xmlns:p14="http://schemas.microsoft.com/office/powerpoint/2010/main" val="3936849342"/>
       </p:ext>
     </p:extLst>
   </p:cSld>
@@ -1705,7 +1715,7 @@
     </p:spTree>
     <p:extLst>
       <p:ext uri="{BB962C8B-B14F-4D97-AF65-F5344CB8AC3E}">
-        <p14:creationId xmlns:p14="http://schemas.microsoft.com/office/powerpoint/2010/main" val="3034600837"/>
+        <p14:creationId xmlns:p14="http://schemas.microsoft.com/office/powerpoint/2010/main" val="3716671744"/>
       </p:ext>
     </p:extLst>
   </p:cSld>
@@ -1782,6 +1792,346 @@
               <a:rPr lang="en-US" smtClean="0"/>
               <a:pPr/>
               <a:t>22</a:t>
+            </a:fld>
+            <a:endParaRPr lang="en-US"/>
+          </a:p>
+        </p:txBody>
+      </p:sp>
+    </p:spTree>
+    <p:extLst>
+      <p:ext uri="{BB962C8B-B14F-4D97-AF65-F5344CB8AC3E}">
+        <p14:creationId xmlns:p14="http://schemas.microsoft.com/office/powerpoint/2010/main" val="900704911"/>
+      </p:ext>
+    </p:extLst>
+  </p:cSld>
+  <p:clrMapOvr>
+    <a:masterClrMapping/>
+  </p:clrMapOvr>
+</p:notes>
+</file>
+
+<file path=ppt/notesSlides/notesSlide23.xml><?xml version="1.0" encoding="utf-8"?>
+<p:notes xmlns:a="http://schemas.openxmlformats.org/drawingml/2006/main" xmlns:r="http://schemas.openxmlformats.org/officeDocument/2006/relationships" xmlns:p="http://schemas.openxmlformats.org/presentationml/2006/main">
+  <p:cSld>
+    <p:spTree>
+      <p:nvGrpSpPr>
+        <p:cNvPr id="1" name=""/>
+        <p:cNvGrpSpPr/>
+        <p:nvPr/>
+      </p:nvGrpSpPr>
+      <p:grpSpPr>
+        <a:xfrm>
+          <a:off x="0" y="0"/>
+          <a:ext cx="0" cy="0"/>
+          <a:chOff x="0" y="0"/>
+          <a:chExt cx="0" cy="0"/>
+        </a:xfrm>
+      </p:grpSpPr>
+      <p:sp>
+        <p:nvSpPr>
+          <p:cNvPr id="2" name="Slide Image Placeholder 1"/>
+          <p:cNvSpPr>
+            <a:spLocks noGrp="1" noRot="1" noChangeAspect="1"/>
+          </p:cNvSpPr>
+          <p:nvPr>
+            <p:ph type="sldImg"/>
+          </p:nvPr>
+        </p:nvSpPr>
+        <p:spPr/>
+      </p:sp>
+      <p:sp>
+        <p:nvSpPr>
+          <p:cNvPr id="3" name="Notes Placeholder 2"/>
+          <p:cNvSpPr>
+            <a:spLocks noGrp="1"/>
+          </p:cNvSpPr>
+          <p:nvPr>
+            <p:ph type="body" idx="1"/>
+          </p:nvPr>
+        </p:nvSpPr>
+        <p:spPr/>
+        <p:txBody>
+          <a:bodyPr/>
+          <a:lstStyle/>
+          <a:p>
+            <a:endParaRPr lang="en-US" dirty="0"/>
+          </a:p>
+        </p:txBody>
+      </p:sp>
+      <p:sp>
+        <p:nvSpPr>
+          <p:cNvPr id="4" name="Slide Number Placeholder 3"/>
+          <p:cNvSpPr>
+            <a:spLocks noGrp="1"/>
+          </p:cNvSpPr>
+          <p:nvPr>
+            <p:ph type="sldNum" sz="quarter" idx="10"/>
+          </p:nvPr>
+        </p:nvSpPr>
+        <p:spPr/>
+        <p:txBody>
+          <a:bodyPr/>
+          <a:lstStyle/>
+          <a:p>
+            <a:fld id="{C18343ED-3762-4D46-A439-B4D407E13EF8}" type="slidenum">
+              <a:rPr lang="en-US" smtClean="0"/>
+              <a:pPr/>
+              <a:t>23</a:t>
+            </a:fld>
+            <a:endParaRPr lang="en-US"/>
+          </a:p>
+        </p:txBody>
+      </p:sp>
+    </p:spTree>
+    <p:extLst>
+      <p:ext uri="{BB962C8B-B14F-4D97-AF65-F5344CB8AC3E}">
+        <p14:creationId xmlns:p14="http://schemas.microsoft.com/office/powerpoint/2010/main" val="1189269232"/>
+      </p:ext>
+    </p:extLst>
+  </p:cSld>
+  <p:clrMapOvr>
+    <a:masterClrMapping/>
+  </p:clrMapOvr>
+</p:notes>
+</file>
+
+<file path=ppt/notesSlides/notesSlide24.xml><?xml version="1.0" encoding="utf-8"?>
+<p:notes xmlns:a="http://schemas.openxmlformats.org/drawingml/2006/main" xmlns:r="http://schemas.openxmlformats.org/officeDocument/2006/relationships" xmlns:p="http://schemas.openxmlformats.org/presentationml/2006/main">
+  <p:cSld>
+    <p:spTree>
+      <p:nvGrpSpPr>
+        <p:cNvPr id="1" name=""/>
+        <p:cNvGrpSpPr/>
+        <p:nvPr/>
+      </p:nvGrpSpPr>
+      <p:grpSpPr>
+        <a:xfrm>
+          <a:off x="0" y="0"/>
+          <a:ext cx="0" cy="0"/>
+          <a:chOff x="0" y="0"/>
+          <a:chExt cx="0" cy="0"/>
+        </a:xfrm>
+      </p:grpSpPr>
+      <p:sp>
+        <p:nvSpPr>
+          <p:cNvPr id="2" name="Slide Image Placeholder 1"/>
+          <p:cNvSpPr>
+            <a:spLocks noGrp="1" noRot="1" noChangeAspect="1"/>
+          </p:cNvSpPr>
+          <p:nvPr>
+            <p:ph type="sldImg"/>
+          </p:nvPr>
+        </p:nvSpPr>
+        <p:spPr/>
+      </p:sp>
+      <p:sp>
+        <p:nvSpPr>
+          <p:cNvPr id="3" name="Notes Placeholder 2"/>
+          <p:cNvSpPr>
+            <a:spLocks noGrp="1"/>
+          </p:cNvSpPr>
+          <p:nvPr>
+            <p:ph type="body" idx="1"/>
+          </p:nvPr>
+        </p:nvSpPr>
+        <p:spPr/>
+        <p:txBody>
+          <a:bodyPr/>
+          <a:lstStyle/>
+          <a:p>
+            <a:endParaRPr lang="en-US" dirty="0"/>
+          </a:p>
+        </p:txBody>
+      </p:sp>
+      <p:sp>
+        <p:nvSpPr>
+          <p:cNvPr id="4" name="Slide Number Placeholder 3"/>
+          <p:cNvSpPr>
+            <a:spLocks noGrp="1"/>
+          </p:cNvSpPr>
+          <p:nvPr>
+            <p:ph type="sldNum" sz="quarter" idx="10"/>
+          </p:nvPr>
+        </p:nvSpPr>
+        <p:spPr/>
+        <p:txBody>
+          <a:bodyPr/>
+          <a:lstStyle/>
+          <a:p>
+            <a:fld id="{C18343ED-3762-4D46-A439-B4D407E13EF8}" type="slidenum">
+              <a:rPr lang="en-US" smtClean="0"/>
+              <a:pPr/>
+              <a:t>24</a:t>
+            </a:fld>
+            <a:endParaRPr lang="en-US"/>
+          </a:p>
+        </p:txBody>
+      </p:sp>
+    </p:spTree>
+    <p:extLst>
+      <p:ext uri="{BB962C8B-B14F-4D97-AF65-F5344CB8AC3E}">
+        <p14:creationId xmlns:p14="http://schemas.microsoft.com/office/powerpoint/2010/main" val="2970054061"/>
+      </p:ext>
+    </p:extLst>
+  </p:cSld>
+  <p:clrMapOvr>
+    <a:masterClrMapping/>
+  </p:clrMapOvr>
+</p:notes>
+</file>
+
+<file path=ppt/notesSlides/notesSlide25.xml><?xml version="1.0" encoding="utf-8"?>
+<p:notes xmlns:a="http://schemas.openxmlformats.org/drawingml/2006/main" xmlns:r="http://schemas.openxmlformats.org/officeDocument/2006/relationships" xmlns:p="http://schemas.openxmlformats.org/presentationml/2006/main">
+  <p:cSld>
+    <p:spTree>
+      <p:nvGrpSpPr>
+        <p:cNvPr id="1" name=""/>
+        <p:cNvGrpSpPr/>
+        <p:nvPr/>
+      </p:nvGrpSpPr>
+      <p:grpSpPr>
+        <a:xfrm>
+          <a:off x="0" y="0"/>
+          <a:ext cx="0" cy="0"/>
+          <a:chOff x="0" y="0"/>
+          <a:chExt cx="0" cy="0"/>
+        </a:xfrm>
+      </p:grpSpPr>
+      <p:sp>
+        <p:nvSpPr>
+          <p:cNvPr id="2" name="Slide Image Placeholder 1"/>
+          <p:cNvSpPr>
+            <a:spLocks noGrp="1" noRot="1" noChangeAspect="1"/>
+          </p:cNvSpPr>
+          <p:nvPr>
+            <p:ph type="sldImg"/>
+          </p:nvPr>
+        </p:nvSpPr>
+        <p:spPr/>
+      </p:sp>
+      <p:sp>
+        <p:nvSpPr>
+          <p:cNvPr id="3" name="Notes Placeholder 2"/>
+          <p:cNvSpPr>
+            <a:spLocks noGrp="1"/>
+          </p:cNvSpPr>
+          <p:nvPr>
+            <p:ph type="body" idx="1"/>
+          </p:nvPr>
+        </p:nvSpPr>
+        <p:spPr/>
+        <p:txBody>
+          <a:bodyPr/>
+          <a:lstStyle/>
+          <a:p>
+            <a:endParaRPr lang="en-US" dirty="0"/>
+          </a:p>
+        </p:txBody>
+      </p:sp>
+      <p:sp>
+        <p:nvSpPr>
+          <p:cNvPr id="4" name="Slide Number Placeholder 3"/>
+          <p:cNvSpPr>
+            <a:spLocks noGrp="1"/>
+          </p:cNvSpPr>
+          <p:nvPr>
+            <p:ph type="sldNum" sz="quarter" idx="10"/>
+          </p:nvPr>
+        </p:nvSpPr>
+        <p:spPr/>
+        <p:txBody>
+          <a:bodyPr/>
+          <a:lstStyle/>
+          <a:p>
+            <a:fld id="{C18343ED-3762-4D46-A439-B4D407E13EF8}" type="slidenum">
+              <a:rPr lang="en-US" smtClean="0"/>
+              <a:pPr/>
+              <a:t>25</a:t>
+            </a:fld>
+            <a:endParaRPr lang="en-US"/>
+          </a:p>
+        </p:txBody>
+      </p:sp>
+    </p:spTree>
+    <p:extLst>
+      <p:ext uri="{BB962C8B-B14F-4D97-AF65-F5344CB8AC3E}">
+        <p14:creationId xmlns:p14="http://schemas.microsoft.com/office/powerpoint/2010/main" val="3034600837"/>
+      </p:ext>
+    </p:extLst>
+  </p:cSld>
+  <p:clrMapOvr>
+    <a:masterClrMapping/>
+  </p:clrMapOvr>
+</p:notes>
+</file>
+
+<file path=ppt/notesSlides/notesSlide26.xml><?xml version="1.0" encoding="utf-8"?>
+<p:notes xmlns:a="http://schemas.openxmlformats.org/drawingml/2006/main" xmlns:r="http://schemas.openxmlformats.org/officeDocument/2006/relationships" xmlns:p="http://schemas.openxmlformats.org/presentationml/2006/main">
+  <p:cSld>
+    <p:spTree>
+      <p:nvGrpSpPr>
+        <p:cNvPr id="1" name=""/>
+        <p:cNvGrpSpPr/>
+        <p:nvPr/>
+      </p:nvGrpSpPr>
+      <p:grpSpPr>
+        <a:xfrm>
+          <a:off x="0" y="0"/>
+          <a:ext cx="0" cy="0"/>
+          <a:chOff x="0" y="0"/>
+          <a:chExt cx="0" cy="0"/>
+        </a:xfrm>
+      </p:grpSpPr>
+      <p:sp>
+        <p:nvSpPr>
+          <p:cNvPr id="2" name="Slide Image Placeholder 1"/>
+          <p:cNvSpPr>
+            <a:spLocks noGrp="1" noRot="1" noChangeAspect="1"/>
+          </p:cNvSpPr>
+          <p:nvPr>
+            <p:ph type="sldImg"/>
+          </p:nvPr>
+        </p:nvSpPr>
+        <p:spPr/>
+      </p:sp>
+      <p:sp>
+        <p:nvSpPr>
+          <p:cNvPr id="3" name="Notes Placeholder 2"/>
+          <p:cNvSpPr>
+            <a:spLocks noGrp="1"/>
+          </p:cNvSpPr>
+          <p:nvPr>
+            <p:ph type="body" idx="1"/>
+          </p:nvPr>
+        </p:nvSpPr>
+        <p:spPr/>
+        <p:txBody>
+          <a:bodyPr/>
+          <a:lstStyle/>
+          <a:p>
+            <a:endParaRPr lang="en-US" dirty="0"/>
+          </a:p>
+        </p:txBody>
+      </p:sp>
+      <p:sp>
+        <p:nvSpPr>
+          <p:cNvPr id="4" name="Slide Number Placeholder 3"/>
+          <p:cNvSpPr>
+            <a:spLocks noGrp="1"/>
+          </p:cNvSpPr>
+          <p:nvPr>
+            <p:ph type="sldNum" sz="quarter" idx="10"/>
+          </p:nvPr>
+        </p:nvSpPr>
+        <p:spPr/>
+        <p:txBody>
+          <a:bodyPr/>
+          <a:lstStyle/>
+          <a:p>
+            <a:fld id="{C18343ED-3762-4D46-A439-B4D407E13EF8}" type="slidenum">
+              <a:rPr lang="en-US" smtClean="0"/>
+              <a:pPr/>
+              <a:t>26</a:t>
             </a:fld>
             <a:endParaRPr lang="en-US"/>
           </a:p>
@@ -2298,7 +2648,7 @@
     </p:spTree>
     <p:extLst>
       <p:ext uri="{BB962C8B-B14F-4D97-AF65-F5344CB8AC3E}">
-        <p14:creationId xmlns:p14="http://schemas.microsoft.com/office/powerpoint/2010/main" val="3886922275"/>
+        <p14:creationId xmlns:p14="http://schemas.microsoft.com/office/powerpoint/2010/main" val="895986857"/>
       </p:ext>
     </p:extLst>
   </p:cSld>
@@ -2352,12 +2702,6 @@
           <a:bodyPr/>
           <a:lstStyle/>
           <a:p>
-            <a:r>
-              <a:rPr lang="en-US" dirty="0"/>
-              <a:t>Microservice. – has his own datastore and only it has access to it, so no other service will brake the schema</a:t>
-            </a:r>
-          </a:p>
-          <a:p>
             <a:endParaRPr lang="en-US" dirty="0"/>
           </a:p>
         </p:txBody>
@@ -2389,7 +2733,7 @@
     </p:spTree>
     <p:extLst>
       <p:ext uri="{BB962C8B-B14F-4D97-AF65-F5344CB8AC3E}">
-        <p14:creationId xmlns:p14="http://schemas.microsoft.com/office/powerpoint/2010/main" val="495837857"/>
+        <p14:creationId xmlns:p14="http://schemas.microsoft.com/office/powerpoint/2010/main" val="1719312125"/>
       </p:ext>
     </p:extLst>
   </p:cSld>
@@ -2474,7 +2818,7 @@
     </p:spTree>
     <p:extLst>
       <p:ext uri="{BB962C8B-B14F-4D97-AF65-F5344CB8AC3E}">
-        <p14:creationId xmlns:p14="http://schemas.microsoft.com/office/powerpoint/2010/main" val="978626130"/>
+        <p14:creationId xmlns:p14="http://schemas.microsoft.com/office/powerpoint/2010/main" val="3886922275"/>
       </p:ext>
     </p:extLst>
   </p:cSld>
@@ -7611,6 +7955,265 @@
           </a:bodyPr>
           <a:lstStyle/>
           <a:p>
+            <a:r>
+              <a:rPr lang="en-US" dirty="0"/>
+              <a:t>Distributed Cloud Apps - Microservices</a:t>
+            </a:r>
+          </a:p>
+        </p:txBody>
+      </p:sp>
+      <p:pic>
+        <p:nvPicPr>
+          <p:cNvPr id="6" name="Content Placeholder 5">
+            <a:extLst>
+              <a:ext uri="{FF2B5EF4-FFF2-40B4-BE49-F238E27FC236}">
+                <a16:creationId xmlns:a16="http://schemas.microsoft.com/office/drawing/2014/main" id="{3F96A656-B5F8-C845-B50D-6384B09F9281}"/>
+              </a:ext>
+            </a:extLst>
+          </p:cNvPr>
+          <p:cNvPicPr>
+            <a:picLocks noGrp="1" noChangeAspect="1"/>
+          </p:cNvPicPr>
+          <p:nvPr>
+            <p:ph idx="1"/>
+          </p:nvPr>
+        </p:nvPicPr>
+        <p:blipFill>
+          <a:blip r:embed="rId3">
+            <a:extLst>
+              <a:ext uri="{28A0092B-C50C-407E-A947-70E740481C1C}">
+                <a14:useLocalDpi xmlns:a14="http://schemas.microsoft.com/office/drawing/2010/main" val="0"/>
+              </a:ext>
+            </a:extLst>
+          </a:blip>
+          <a:stretch>
+            <a:fillRect/>
+          </a:stretch>
+        </p:blipFill>
+        <p:spPr>
+          <a:xfrm>
+            <a:off x="611188" y="1992272"/>
+            <a:ext cx="7993062" cy="3648155"/>
+          </a:xfrm>
+        </p:spPr>
+      </p:pic>
+    </p:spTree>
+    <p:extLst>
+      <p:ext uri="{BB962C8B-B14F-4D97-AF65-F5344CB8AC3E}">
+        <p14:creationId xmlns:p14="http://schemas.microsoft.com/office/powerpoint/2010/main" val="2018426177"/>
+      </p:ext>
+    </p:extLst>
+  </p:cSld>
+  <p:clrMapOvr>
+    <a:masterClrMapping/>
+  </p:clrMapOvr>
+</p:sld>
+</file>
+
+<file path=ppt/slides/slide11.xml><?xml version="1.0" encoding="utf-8"?>
+<p:sld xmlns:a="http://schemas.openxmlformats.org/drawingml/2006/main" xmlns:r="http://schemas.openxmlformats.org/officeDocument/2006/relationships" xmlns:p="http://schemas.openxmlformats.org/presentationml/2006/main">
+  <p:cSld>
+    <p:spTree>
+      <p:nvGrpSpPr>
+        <p:cNvPr id="1" name=""/>
+        <p:cNvGrpSpPr/>
+        <p:nvPr/>
+      </p:nvGrpSpPr>
+      <p:grpSpPr>
+        <a:xfrm>
+          <a:off x="0" y="0"/>
+          <a:ext cx="0" cy="0"/>
+          <a:chOff x="0" y="0"/>
+          <a:chExt cx="0" cy="0"/>
+        </a:xfrm>
+      </p:grpSpPr>
+      <p:sp>
+        <p:nvSpPr>
+          <p:cNvPr id="2" name="Title 1"/>
+          <p:cNvSpPr>
+            <a:spLocks noGrp="1"/>
+          </p:cNvSpPr>
+          <p:nvPr>
+            <p:ph type="title"/>
+          </p:nvPr>
+        </p:nvSpPr>
+        <p:spPr/>
+        <p:txBody>
+          <a:bodyPr>
+            <a:normAutofit fontScale="90000"/>
+          </a:bodyPr>
+          <a:lstStyle/>
+          <a:p>
+            <a:pPr algn="ctr"/>
+            <a:r>
+              <a:rPr lang="en-US" dirty="0"/>
+              <a:t>Reasons to split monolithic app to microservices</a:t>
+            </a:r>
+          </a:p>
+        </p:txBody>
+      </p:sp>
+      <p:sp>
+        <p:nvSpPr>
+          <p:cNvPr id="4" name="Content Placeholder 3">
+            <a:extLst>
+              <a:ext uri="{FF2B5EF4-FFF2-40B4-BE49-F238E27FC236}">
+                <a16:creationId xmlns:a16="http://schemas.microsoft.com/office/drawing/2014/main" id="{E2F67D75-9058-C146-8AD9-1ABA51C4B1DA}"/>
+              </a:ext>
+            </a:extLst>
+          </p:cNvPr>
+          <p:cNvSpPr>
+            <a:spLocks noGrp="1"/>
+          </p:cNvSpPr>
+          <p:nvPr>
+            <p:ph idx="1"/>
+          </p:nvPr>
+        </p:nvSpPr>
+        <p:spPr/>
+        <p:txBody>
+          <a:bodyPr/>
+          <a:lstStyle/>
+          <a:p>
+            <a:r>
+              <a:rPr lang="en-US" dirty="0"/>
+              <a:t>Scale Independently (Balance cost with speed)</a:t>
+            </a:r>
+          </a:p>
+          <a:p>
+            <a:endParaRPr lang="en-US" dirty="0"/>
+          </a:p>
+          <a:p>
+            <a:endParaRPr lang="en-US" dirty="0"/>
+          </a:p>
+          <a:p>
+            <a:endParaRPr lang="en-US" dirty="0"/>
+          </a:p>
+          <a:p>
+            <a:r>
+              <a:rPr lang="en-US" dirty="0"/>
+              <a:t>Different Technology Stacks</a:t>
+            </a:r>
+          </a:p>
+        </p:txBody>
+      </p:sp>
+      <p:pic>
+        <p:nvPicPr>
+          <p:cNvPr id="7" name="Picture 6">
+            <a:extLst>
+              <a:ext uri="{FF2B5EF4-FFF2-40B4-BE49-F238E27FC236}">
+                <a16:creationId xmlns:a16="http://schemas.microsoft.com/office/drawing/2014/main" id="{7331A5FB-3ADA-F74D-B983-5F5764CC2E3C}"/>
+              </a:ext>
+            </a:extLst>
+          </p:cNvPr>
+          <p:cNvPicPr>
+            <a:picLocks noChangeAspect="1"/>
+          </p:cNvPicPr>
+          <p:nvPr/>
+        </p:nvPicPr>
+        <p:blipFill>
+          <a:blip r:embed="rId3">
+            <a:extLst>
+              <a:ext uri="{28A0092B-C50C-407E-A947-70E740481C1C}">
+                <a14:useLocalDpi xmlns:a14="http://schemas.microsoft.com/office/drawing/2010/main" val="0"/>
+              </a:ext>
+            </a:extLst>
+          </a:blip>
+          <a:stretch>
+            <a:fillRect/>
+          </a:stretch>
+        </p:blipFill>
+        <p:spPr>
+          <a:xfrm>
+            <a:off x="899592" y="2204864"/>
+            <a:ext cx="4292600" cy="1066800"/>
+          </a:xfrm>
+          <a:prstGeom prst="rect">
+            <a:avLst/>
+          </a:prstGeom>
+        </p:spPr>
+      </p:pic>
+      <p:pic>
+        <p:nvPicPr>
+          <p:cNvPr id="9" name="Picture 8">
+            <a:extLst>
+              <a:ext uri="{FF2B5EF4-FFF2-40B4-BE49-F238E27FC236}">
+                <a16:creationId xmlns:a16="http://schemas.microsoft.com/office/drawing/2014/main" id="{DBD9A8FA-F014-BE40-99A3-F839B7D38D60}"/>
+              </a:ext>
+            </a:extLst>
+          </p:cNvPr>
+          <p:cNvPicPr>
+            <a:picLocks noChangeAspect="1"/>
+          </p:cNvPicPr>
+          <p:nvPr/>
+        </p:nvPicPr>
+        <p:blipFill>
+          <a:blip r:embed="rId4">
+            <a:extLst>
+              <a:ext uri="{28A0092B-C50C-407E-A947-70E740481C1C}">
+                <a14:useLocalDpi xmlns:a14="http://schemas.microsoft.com/office/drawing/2010/main" val="0"/>
+              </a:ext>
+            </a:extLst>
+          </a:blip>
+          <a:stretch>
+            <a:fillRect/>
+          </a:stretch>
+        </p:blipFill>
+        <p:spPr>
+          <a:xfrm>
+            <a:off x="983556" y="4318662"/>
+            <a:ext cx="4241800" cy="774700"/>
+          </a:xfrm>
+          <a:prstGeom prst="rect">
+            <a:avLst/>
+          </a:prstGeom>
+        </p:spPr>
+      </p:pic>
+    </p:spTree>
+    <p:extLst>
+      <p:ext uri="{BB962C8B-B14F-4D97-AF65-F5344CB8AC3E}">
+        <p14:creationId xmlns:p14="http://schemas.microsoft.com/office/powerpoint/2010/main" val="2845375795"/>
+      </p:ext>
+    </p:extLst>
+  </p:cSld>
+  <p:clrMapOvr>
+    <a:masterClrMapping/>
+  </p:clrMapOvr>
+</p:sld>
+</file>
+
+<file path=ppt/slides/slide12.xml><?xml version="1.0" encoding="utf-8"?>
+<p:sld xmlns:a="http://schemas.openxmlformats.org/drawingml/2006/main" xmlns:r="http://schemas.openxmlformats.org/officeDocument/2006/relationships" xmlns:p="http://schemas.openxmlformats.org/presentationml/2006/main">
+  <p:cSld>
+    <p:spTree>
+      <p:nvGrpSpPr>
+        <p:cNvPr id="1" name=""/>
+        <p:cNvGrpSpPr/>
+        <p:nvPr/>
+      </p:nvGrpSpPr>
+      <p:grpSpPr>
+        <a:xfrm>
+          <a:off x="0" y="0"/>
+          <a:ext cx="0" cy="0"/>
+          <a:chOff x="0" y="0"/>
+          <a:chExt cx="0" cy="0"/>
+        </a:xfrm>
+      </p:grpSpPr>
+      <p:sp>
+        <p:nvSpPr>
+          <p:cNvPr id="2" name="Title 1"/>
+          <p:cNvSpPr>
+            <a:spLocks noGrp="1"/>
+          </p:cNvSpPr>
+          <p:nvPr>
+            <p:ph type="title"/>
+          </p:nvPr>
+        </p:nvSpPr>
+        <p:spPr/>
+        <p:txBody>
+          <a:bodyPr>
+            <a:normAutofit fontScale="90000"/>
+          </a:bodyPr>
+          <a:lstStyle/>
+          <a:p>
             <a:pPr algn="ctr"/>
             <a:r>
               <a:rPr lang="en-US" dirty="0"/>
@@ -7822,7 +8425,7 @@
 </p:sld>
 </file>
 
-<file path=ppt/slides/slide11.xml><?xml version="1.0" encoding="utf-8"?>
+<file path=ppt/slides/slide13.xml><?xml version="1.0" encoding="utf-8"?>
 <p:sld xmlns:a="http://schemas.openxmlformats.org/drawingml/2006/main" xmlns:r="http://schemas.openxmlformats.org/officeDocument/2006/relationships" xmlns:p="http://schemas.openxmlformats.org/presentationml/2006/main">
   <p:cSld>
     <p:spTree>
@@ -8228,7 +8831,7 @@
 </p:sld>
 </file>
 
-<file path=ppt/slides/slide12.xml><?xml version="1.0" encoding="utf-8"?>
+<file path=ppt/slides/slide14.xml><?xml version="1.0" encoding="utf-8"?>
 <p:sld xmlns:a="http://schemas.openxmlformats.org/drawingml/2006/main" xmlns:r="http://schemas.openxmlformats.org/officeDocument/2006/relationships" xmlns:p="http://schemas.openxmlformats.org/presentationml/2006/main">
   <p:cSld>
     <p:spTree>
@@ -8367,7 +8970,7 @@
 </p:sld>
 </file>
 
-<file path=ppt/slides/slide13.xml><?xml version="1.0" encoding="utf-8"?>
+<file path=ppt/slides/slide15.xml><?xml version="1.0" encoding="utf-8"?>
 <p:sld xmlns:a="http://schemas.openxmlformats.org/drawingml/2006/main" xmlns:r="http://schemas.openxmlformats.org/officeDocument/2006/relationships" xmlns:p="http://schemas.openxmlformats.org/presentationml/2006/main">
   <p:cSld>
     <p:spTree>
@@ -8474,7 +9077,7 @@
 </p:sld>
 </file>
 
-<file path=ppt/slides/slide14.xml><?xml version="1.0" encoding="utf-8"?>
+<file path=ppt/slides/slide16.xml><?xml version="1.0" encoding="utf-8"?>
 <p:sld xmlns:a="http://schemas.openxmlformats.org/drawingml/2006/main" xmlns:r="http://schemas.openxmlformats.org/officeDocument/2006/relationships" xmlns:p="http://schemas.openxmlformats.org/presentationml/2006/main">
   <p:cSld>
     <p:spTree>
@@ -9062,7 +9665,7 @@
 </p:sld>
 </file>
 
-<file path=ppt/slides/slide15.xml><?xml version="1.0" encoding="utf-8"?>
+<file path=ppt/slides/slide17.xml><?xml version="1.0" encoding="utf-8"?>
 <p:sld xmlns:a="http://schemas.openxmlformats.org/drawingml/2006/main" xmlns:r="http://schemas.openxmlformats.org/officeDocument/2006/relationships" xmlns:p="http://schemas.openxmlformats.org/presentationml/2006/main">
   <p:cSld>
     <p:spTree>
@@ -9758,239 +10361,6 @@
 </p:sld>
 </file>
 
-<file path=ppt/slides/slide16.xml><?xml version="1.0" encoding="utf-8"?>
-<p:sld xmlns:a="http://schemas.openxmlformats.org/drawingml/2006/main" xmlns:r="http://schemas.openxmlformats.org/officeDocument/2006/relationships" xmlns:p="http://schemas.openxmlformats.org/presentationml/2006/main">
-  <p:cSld>
-    <p:spTree>
-      <p:nvGrpSpPr>
-        <p:cNvPr id="1" name=""/>
-        <p:cNvGrpSpPr/>
-        <p:nvPr/>
-      </p:nvGrpSpPr>
-      <p:grpSpPr>
-        <a:xfrm>
-          <a:off x="0" y="0"/>
-          <a:ext cx="0" cy="0"/>
-          <a:chOff x="0" y="0"/>
-          <a:chExt cx="0" cy="0"/>
-        </a:xfrm>
-      </p:grpSpPr>
-      <p:sp>
-        <p:nvSpPr>
-          <p:cNvPr id="2" name="Title 1"/>
-          <p:cNvSpPr>
-            <a:spLocks noGrp="1"/>
-          </p:cNvSpPr>
-          <p:nvPr>
-            <p:ph type="title"/>
-          </p:nvPr>
-        </p:nvSpPr>
-        <p:spPr/>
-        <p:txBody>
-          <a:bodyPr>
-            <a:normAutofit/>
-          </a:bodyPr>
-          <a:lstStyle/>
-          <a:p>
-            <a:pPr algn="ctr"/>
-            <a:r>
-              <a:rPr lang="en-US" dirty="0"/>
-              <a:t>Auto Scaling</a:t>
-            </a:r>
-          </a:p>
-        </p:txBody>
-      </p:sp>
-      <p:sp>
-        <p:nvSpPr>
-          <p:cNvPr id="4" name="Content Placeholder 3">
-            <a:extLst>
-              <a:ext uri="{FF2B5EF4-FFF2-40B4-BE49-F238E27FC236}">
-                <a16:creationId xmlns:a16="http://schemas.microsoft.com/office/drawing/2014/main" id="{E2F67D75-9058-C146-8AD9-1ABA51C4B1DA}"/>
-              </a:ext>
-            </a:extLst>
-          </p:cNvPr>
-          <p:cNvSpPr>
-            <a:spLocks noGrp="1"/>
-          </p:cNvSpPr>
-          <p:nvPr>
-            <p:ph idx="1"/>
-          </p:nvPr>
-        </p:nvSpPr>
-        <p:spPr/>
-        <p:txBody>
-          <a:bodyPr/>
-          <a:lstStyle/>
-          <a:p>
-            <a:r>
-              <a:rPr lang="en-US" i="1" dirty="0"/>
-              <a:t>Scheduled (day/night, weekdays/weekend/holidays)</a:t>
-            </a:r>
-          </a:p>
-          <a:p>
-            <a:pPr lvl="1"/>
-            <a:r>
-              <a:rPr lang="en-US" i="1" dirty="0"/>
-              <a:t>You’ re predicting load based on what you expect</a:t>
-            </a:r>
-          </a:p>
-          <a:p>
-            <a:pPr lvl="1"/>
-            <a:r>
-              <a:rPr lang="en-US" i="1" dirty="0"/>
-              <a:t>Potentially dangerous as actual load may be different than predicted</a:t>
-            </a:r>
-          </a:p>
-          <a:p>
-            <a:pPr lvl="1"/>
-            <a:endParaRPr lang="en-US" i="1" dirty="0"/>
-          </a:p>
-        </p:txBody>
-      </p:sp>
-    </p:spTree>
-    <p:extLst>
-      <p:ext uri="{BB962C8B-B14F-4D97-AF65-F5344CB8AC3E}">
-        <p14:creationId xmlns:p14="http://schemas.microsoft.com/office/powerpoint/2010/main" val="1128163498"/>
-      </p:ext>
-    </p:extLst>
-  </p:cSld>
-  <p:clrMapOvr>
-    <a:masterClrMapping/>
-  </p:clrMapOvr>
-</p:sld>
-</file>
-
-<file path=ppt/slides/slide17.xml><?xml version="1.0" encoding="utf-8"?>
-<p:sld xmlns:a="http://schemas.openxmlformats.org/drawingml/2006/main" xmlns:r="http://schemas.openxmlformats.org/officeDocument/2006/relationships" xmlns:p="http://schemas.openxmlformats.org/presentationml/2006/main">
-  <p:cSld>
-    <p:spTree>
-      <p:nvGrpSpPr>
-        <p:cNvPr id="1" name=""/>
-        <p:cNvGrpSpPr/>
-        <p:nvPr/>
-      </p:nvGrpSpPr>
-      <p:grpSpPr>
-        <a:xfrm>
-          <a:off x="0" y="0"/>
-          <a:ext cx="0" cy="0"/>
-          <a:chOff x="0" y="0"/>
-          <a:chExt cx="0" cy="0"/>
-        </a:xfrm>
-      </p:grpSpPr>
-      <p:sp>
-        <p:nvSpPr>
-          <p:cNvPr id="2" name="Title 1"/>
-          <p:cNvSpPr>
-            <a:spLocks noGrp="1"/>
-          </p:cNvSpPr>
-          <p:nvPr>
-            <p:ph type="title"/>
-          </p:nvPr>
-        </p:nvSpPr>
-        <p:spPr/>
-        <p:txBody>
-          <a:bodyPr>
-            <a:normAutofit/>
-          </a:bodyPr>
-          <a:lstStyle/>
-          <a:p>
-            <a:pPr algn="ctr"/>
-            <a:r>
-              <a:rPr lang="en-US" dirty="0"/>
-              <a:t>12-factor services</a:t>
-            </a:r>
-          </a:p>
-        </p:txBody>
-      </p:sp>
-      <p:sp>
-        <p:nvSpPr>
-          <p:cNvPr id="4" name="Content Placeholder 3">
-            <a:extLst>
-              <a:ext uri="{FF2B5EF4-FFF2-40B4-BE49-F238E27FC236}">
-                <a16:creationId xmlns:a16="http://schemas.microsoft.com/office/drawing/2014/main" id="{E2F67D75-9058-C146-8AD9-1ABA51C4B1DA}"/>
-              </a:ext>
-            </a:extLst>
-          </p:cNvPr>
-          <p:cNvSpPr>
-            <a:spLocks noGrp="1"/>
-          </p:cNvSpPr>
-          <p:nvPr>
-            <p:ph idx="1"/>
-          </p:nvPr>
-        </p:nvSpPr>
-        <p:spPr/>
-        <p:txBody>
-          <a:bodyPr/>
-          <a:lstStyle/>
-          <a:p>
-            <a:r>
-              <a:rPr lang="en-US" i="1" dirty="0"/>
-              <a:t>Single root repos; don’t share code with another service</a:t>
-            </a:r>
-          </a:p>
-          <a:p>
-            <a:r>
-              <a:rPr lang="en-US" i="1" dirty="0"/>
-              <a:t>Deploy dependent libs with service</a:t>
-            </a:r>
-          </a:p>
-          <a:p>
-            <a:r>
-              <a:rPr lang="en-US" i="1" dirty="0"/>
-              <a:t>No config in code; read from environment variables</a:t>
-            </a:r>
-          </a:p>
-          <a:p>
-            <a:r>
-              <a:rPr lang="en-US" i="1" dirty="0"/>
-              <a:t>Handle unresponsive service dependencies robustly</a:t>
-            </a:r>
-          </a:p>
-          <a:p>
-            <a:r>
-              <a:rPr lang="en-US" i="1" dirty="0"/>
-              <a:t>Strictly separate build, release &amp; run steps</a:t>
-            </a:r>
-          </a:p>
-          <a:p>
-            <a:pPr lvl="1"/>
-            <a:r>
-              <a:rPr lang="en-US" i="1" dirty="0"/>
-              <a:t>Builds a version of the code repo &amp; gathers dependencies</a:t>
-            </a:r>
-          </a:p>
-          <a:p>
-            <a:pPr lvl="1"/>
-            <a:r>
-              <a:rPr lang="en-US" i="1" dirty="0"/>
-              <a:t>Combines build with config -&gt; Release Id (immutable)</a:t>
-            </a:r>
-          </a:p>
-          <a:p>
-            <a:pPr lvl="1"/>
-            <a:r>
-              <a:rPr lang="en-US" i="1" dirty="0"/>
-              <a:t>Runs service in execution environment</a:t>
-            </a:r>
-          </a:p>
-          <a:p>
-            <a:pPr lvl="1"/>
-            <a:endParaRPr lang="en-US" i="1" dirty="0"/>
-          </a:p>
-        </p:txBody>
-      </p:sp>
-    </p:spTree>
-    <p:extLst>
-      <p:ext uri="{BB962C8B-B14F-4D97-AF65-F5344CB8AC3E}">
-        <p14:creationId xmlns:p14="http://schemas.microsoft.com/office/powerpoint/2010/main" val="1349403067"/>
-      </p:ext>
-    </p:extLst>
-  </p:cSld>
-  <p:clrMapOvr>
-    <a:masterClrMapping/>
-  </p:clrMapOvr>
-</p:sld>
-</file>
-
 <file path=ppt/slides/slide18.xml><?xml version="1.0" encoding="utf-8"?>
 <p:sld xmlns:a="http://schemas.openxmlformats.org/drawingml/2006/main" xmlns:r="http://schemas.openxmlformats.org/officeDocument/2006/relationships" xmlns:p="http://schemas.openxmlformats.org/presentationml/2006/main">
   <p:cSld>
@@ -10028,7 +10398,7 @@
             <a:pPr algn="ctr"/>
             <a:r>
               <a:rPr lang="en-US" dirty="0"/>
-              <a:t>12-factor services</a:t>
+              <a:t>Auto Scaling</a:t>
             </a:r>
           </a:p>
         </p:txBody>
@@ -10056,51 +10426,33 @@
           <a:p>
             <a:r>
               <a:rPr lang="en-US" i="1" dirty="0"/>
-              <a:t>Service is stateless processes &amp; shares nothing</a:t>
-            </a:r>
-          </a:p>
-          <a:p>
+              <a:t>Scheduled (day/night, weekdays/weekend/holidays)</a:t>
+            </a:r>
+          </a:p>
+          <a:p>
+            <a:pPr lvl="1"/>
             <a:r>
               <a:rPr lang="en-US" i="1" dirty="0"/>
-              <a:t>Service listens on ports; avoid (web) hosts</a:t>
-            </a:r>
-          </a:p>
-          <a:p>
+              <a:t>You’ re predicting load based on what you expect</a:t>
+            </a:r>
+          </a:p>
+          <a:p>
+            <a:pPr lvl="1"/>
             <a:r>
               <a:rPr lang="en-US" i="1" dirty="0"/>
-              <a:t>Use processes for isolation; multiple for concurrency</a:t>
-            </a:r>
-          </a:p>
-          <a:p>
-            <a:r>
-              <a:rPr lang="en-US" i="1" dirty="0"/>
-              <a:t>Processes can crash/be killed quickly &amp; start fast</a:t>
-            </a:r>
-          </a:p>
-          <a:p>
-            <a:r>
-              <a:rPr lang="en-US" i="1" dirty="0"/>
-              <a:t>Keep dev, staging &amp; prod environments similar</a:t>
-            </a:r>
-          </a:p>
-          <a:p>
-            <a:r>
-              <a:rPr lang="en-US" i="1" dirty="0"/>
-              <a:t>Log to stdout (dev=console; prod=file &amp; archive it)</a:t>
-            </a:r>
-          </a:p>
-          <a:p>
-            <a:r>
-              <a:rPr lang="en-US" i="1" dirty="0"/>
-              <a:t>Deploy &amp; run admin tasks (scripts) as processes</a:t>
-            </a:r>
+              <a:t>Potentially dangerous as actual load may be different than predicted</a:t>
+            </a:r>
+          </a:p>
+          <a:p>
+            <a:pPr lvl="1"/>
+            <a:endParaRPr lang="en-US" i="1" dirty="0"/>
           </a:p>
         </p:txBody>
       </p:sp>
     </p:spTree>
     <p:extLst>
       <p:ext uri="{BB962C8B-B14F-4D97-AF65-F5344CB8AC3E}">
-        <p14:creationId xmlns:p14="http://schemas.microsoft.com/office/powerpoint/2010/main" val="2756324874"/>
+        <p14:creationId xmlns:p14="http://schemas.microsoft.com/office/powerpoint/2010/main" val="1128163498"/>
       </p:ext>
     </p:extLst>
   </p:cSld>
@@ -10147,7 +10499,7 @@
             <a:pPr algn="ctr"/>
             <a:r>
               <a:rPr lang="en-US" dirty="0"/>
-              <a:t>The 12 factors are all about…</a:t>
+              <a:t>12-factor services</a:t>
             </a:r>
           </a:p>
         </p:txBody>
@@ -10175,35 +10527,64 @@
           <a:p>
             <a:r>
               <a:rPr lang="en-US" i="1" dirty="0"/>
-              <a:t>Services should be simple to build, test &amp; deploy</a:t>
+              <a:t>Single root repos; don’t share code with another service</a:t>
             </a:r>
           </a:p>
           <a:p>
             <a:r>
               <a:rPr lang="en-US" i="1" dirty="0"/>
-              <a:t>Services should be lightweight</a:t>
+              <a:t>Deploy dependent libs with service</a:t>
+            </a:r>
+          </a:p>
+          <a:p>
+            <a:r>
+              <a:rPr lang="en-US" i="1" dirty="0"/>
+              <a:t>No config in code; read from environment variables</a:t>
+            </a:r>
+          </a:p>
+          <a:p>
+            <a:r>
+              <a:rPr lang="en-US" i="1" dirty="0"/>
+              <a:t>Handle unresponsive service dependencies robustly</a:t>
+            </a:r>
+          </a:p>
+          <a:p>
+            <a:r>
+              <a:rPr lang="en-US" i="1" dirty="0"/>
+              <a:t>Strictly separate build, release &amp; run steps</a:t>
             </a:r>
           </a:p>
           <a:p>
             <a:pPr lvl="1"/>
             <a:r>
               <a:rPr lang="en-US" i="1" dirty="0"/>
-              <a:t>Few dependencies, run fast &amp; use less RAM</a:t>
+              <a:t>Builds a version of the code repo &amp; gathers dependencies</a:t>
             </a:r>
           </a:p>
           <a:p>
             <a:pPr lvl="1"/>
             <a:r>
               <a:rPr lang="en-US" i="1" dirty="0"/>
-              <a:t>Services should give reproducible results on developer PC as well as test, staging &amp; production clouds</a:t>
-            </a:r>
+              <a:t>Combines build with config -&gt; Release Id (immutable)</a:t>
+            </a:r>
+          </a:p>
+          <a:p>
+            <a:pPr lvl="1"/>
+            <a:r>
+              <a:rPr lang="en-US" i="1" dirty="0"/>
+              <a:t>Runs service in execution environment</a:t>
+            </a:r>
+          </a:p>
+          <a:p>
+            <a:pPr lvl="1"/>
+            <a:endParaRPr lang="en-US" i="1" dirty="0"/>
           </a:p>
         </p:txBody>
       </p:sp>
     </p:spTree>
     <p:extLst>
       <p:ext uri="{BB962C8B-B14F-4D97-AF65-F5344CB8AC3E}">
-        <p14:creationId xmlns:p14="http://schemas.microsoft.com/office/powerpoint/2010/main" val="1567782814"/>
+        <p14:creationId xmlns:p14="http://schemas.microsoft.com/office/powerpoint/2010/main" val="1349403067"/>
       </p:ext>
     </p:extLst>
   </p:cSld>
@@ -10265,7 +10646,7 @@
         <p:spPr/>
         <p:txBody>
           <a:bodyPr>
-            <a:normAutofit/>
+            <a:normAutofit fontScale="92500" lnSpcReduction="10000"/>
           </a:bodyPr>
           <a:lstStyle/>
           <a:p>
@@ -10308,6 +10689,12 @@
             <a:r>
               <a:rPr lang="en-US" dirty="0"/>
               <a:t>12-factor services</a:t>
+            </a:r>
+          </a:p>
+          <a:p>
+            <a:r>
+              <a:rPr lang="en-US" dirty="0"/>
+              <a:t>Containers</a:t>
             </a:r>
           </a:p>
           <a:p>
@@ -10338,6 +10725,2170 @@
 </file>
 
 <file path=ppt/slides/slide20.xml><?xml version="1.0" encoding="utf-8"?>
+<p:sld xmlns:a="http://schemas.openxmlformats.org/drawingml/2006/main" xmlns:r="http://schemas.openxmlformats.org/officeDocument/2006/relationships" xmlns:p="http://schemas.openxmlformats.org/presentationml/2006/main">
+  <p:cSld>
+    <p:spTree>
+      <p:nvGrpSpPr>
+        <p:cNvPr id="1" name=""/>
+        <p:cNvGrpSpPr/>
+        <p:nvPr/>
+      </p:nvGrpSpPr>
+      <p:grpSpPr>
+        <a:xfrm>
+          <a:off x="0" y="0"/>
+          <a:ext cx="0" cy="0"/>
+          <a:chOff x="0" y="0"/>
+          <a:chExt cx="0" cy="0"/>
+        </a:xfrm>
+      </p:grpSpPr>
+      <p:sp>
+        <p:nvSpPr>
+          <p:cNvPr id="2" name="Title 1"/>
+          <p:cNvSpPr>
+            <a:spLocks noGrp="1"/>
+          </p:cNvSpPr>
+          <p:nvPr>
+            <p:ph type="title"/>
+          </p:nvPr>
+        </p:nvSpPr>
+        <p:spPr/>
+        <p:txBody>
+          <a:bodyPr>
+            <a:normAutofit/>
+          </a:bodyPr>
+          <a:lstStyle/>
+          <a:p>
+            <a:pPr algn="ctr"/>
+            <a:r>
+              <a:rPr lang="en-US" dirty="0"/>
+              <a:t>12-factor services</a:t>
+            </a:r>
+          </a:p>
+        </p:txBody>
+      </p:sp>
+      <p:sp>
+        <p:nvSpPr>
+          <p:cNvPr id="4" name="Content Placeholder 3">
+            <a:extLst>
+              <a:ext uri="{FF2B5EF4-FFF2-40B4-BE49-F238E27FC236}">
+                <a16:creationId xmlns:a16="http://schemas.microsoft.com/office/drawing/2014/main" id="{E2F67D75-9058-C146-8AD9-1ABA51C4B1DA}"/>
+              </a:ext>
+            </a:extLst>
+          </p:cNvPr>
+          <p:cNvSpPr>
+            <a:spLocks noGrp="1"/>
+          </p:cNvSpPr>
+          <p:nvPr>
+            <p:ph idx="1"/>
+          </p:nvPr>
+        </p:nvSpPr>
+        <p:spPr/>
+        <p:txBody>
+          <a:bodyPr/>
+          <a:lstStyle/>
+          <a:p>
+            <a:r>
+              <a:rPr lang="en-US" i="1" dirty="0"/>
+              <a:t>Service is stateless processes &amp; shares nothing</a:t>
+            </a:r>
+          </a:p>
+          <a:p>
+            <a:r>
+              <a:rPr lang="en-US" i="1" dirty="0"/>
+              <a:t>Service listens on ports; avoid (web) hosts</a:t>
+            </a:r>
+          </a:p>
+          <a:p>
+            <a:r>
+              <a:rPr lang="en-US" i="1" dirty="0"/>
+              <a:t>Use processes for isolation; multiple for concurrency</a:t>
+            </a:r>
+          </a:p>
+          <a:p>
+            <a:r>
+              <a:rPr lang="en-US" i="1" dirty="0"/>
+              <a:t>Processes can crash/be killed quickly &amp; start fast</a:t>
+            </a:r>
+          </a:p>
+          <a:p>
+            <a:r>
+              <a:rPr lang="en-US" i="1" dirty="0"/>
+              <a:t>Keep dev, staging &amp; prod environments similar</a:t>
+            </a:r>
+          </a:p>
+          <a:p>
+            <a:r>
+              <a:rPr lang="en-US" i="1" dirty="0"/>
+              <a:t>Log to stdout (dev=console; prod=file &amp; archive it)</a:t>
+            </a:r>
+          </a:p>
+          <a:p>
+            <a:r>
+              <a:rPr lang="en-US" i="1" dirty="0"/>
+              <a:t>Deploy &amp; run admin tasks (scripts) as processes</a:t>
+            </a:r>
+          </a:p>
+        </p:txBody>
+      </p:sp>
+    </p:spTree>
+    <p:extLst>
+      <p:ext uri="{BB962C8B-B14F-4D97-AF65-F5344CB8AC3E}">
+        <p14:creationId xmlns:p14="http://schemas.microsoft.com/office/powerpoint/2010/main" val="2756324874"/>
+      </p:ext>
+    </p:extLst>
+  </p:cSld>
+  <p:clrMapOvr>
+    <a:masterClrMapping/>
+  </p:clrMapOvr>
+</p:sld>
+</file>
+
+<file path=ppt/slides/slide21.xml><?xml version="1.0" encoding="utf-8"?>
+<p:sld xmlns:a="http://schemas.openxmlformats.org/drawingml/2006/main" xmlns:r="http://schemas.openxmlformats.org/officeDocument/2006/relationships" xmlns:p="http://schemas.openxmlformats.org/presentationml/2006/main">
+  <p:cSld>
+    <p:spTree>
+      <p:nvGrpSpPr>
+        <p:cNvPr id="1" name=""/>
+        <p:cNvGrpSpPr/>
+        <p:nvPr/>
+      </p:nvGrpSpPr>
+      <p:grpSpPr>
+        <a:xfrm>
+          <a:off x="0" y="0"/>
+          <a:ext cx="0" cy="0"/>
+          <a:chOff x="0" y="0"/>
+          <a:chExt cx="0" cy="0"/>
+        </a:xfrm>
+      </p:grpSpPr>
+      <p:sp>
+        <p:nvSpPr>
+          <p:cNvPr id="2" name="Title 1"/>
+          <p:cNvSpPr>
+            <a:spLocks noGrp="1"/>
+          </p:cNvSpPr>
+          <p:nvPr>
+            <p:ph type="title"/>
+          </p:nvPr>
+        </p:nvSpPr>
+        <p:spPr/>
+        <p:txBody>
+          <a:bodyPr>
+            <a:normAutofit/>
+          </a:bodyPr>
+          <a:lstStyle/>
+          <a:p>
+            <a:pPr algn="ctr"/>
+            <a:r>
+              <a:rPr lang="en-US" dirty="0"/>
+              <a:t>Containers</a:t>
+            </a:r>
+          </a:p>
+        </p:txBody>
+      </p:sp>
+      <p:sp>
+        <p:nvSpPr>
+          <p:cNvPr id="4" name="Content Placeholder 3">
+            <a:extLst>
+              <a:ext uri="{FF2B5EF4-FFF2-40B4-BE49-F238E27FC236}">
+                <a16:creationId xmlns:a16="http://schemas.microsoft.com/office/drawing/2014/main" id="{E2F67D75-9058-C146-8AD9-1ABA51C4B1DA}"/>
+              </a:ext>
+            </a:extLst>
+          </p:cNvPr>
+          <p:cNvSpPr>
+            <a:spLocks noGrp="1"/>
+          </p:cNvSpPr>
+          <p:nvPr>
+            <p:ph idx="1"/>
+          </p:nvPr>
+        </p:nvSpPr>
+        <p:spPr/>
+        <p:txBody>
+          <a:bodyPr/>
+          <a:lstStyle/>
+          <a:p>
+            <a:r>
+              <a:rPr lang="en-US" i="1" dirty="0"/>
+              <a:t>A container image </a:t>
+            </a:r>
+            <a:r>
+              <a:rPr lang="en-US" dirty="0"/>
+              <a:t>is immutable &amp; defines a version of a single service with its dependencies (runtimes, etc.)</a:t>
+            </a:r>
+          </a:p>
+          <a:p>
+            <a:pPr lvl="1"/>
+            <a:r>
+              <a:rPr lang="en-US" dirty="0"/>
+              <a:t>Use same container image everywhere: dev, test , staging, production</a:t>
+            </a:r>
+          </a:p>
+          <a:p>
+            <a:r>
+              <a:rPr lang="en-US" dirty="0"/>
+              <a:t>A </a:t>
+            </a:r>
+            <a:r>
+              <a:rPr lang="en-US" i="1" dirty="0"/>
+              <a:t>container runs an image in an isolated environment.</a:t>
+            </a:r>
+          </a:p>
+          <a:p>
+            <a:pPr lvl="1"/>
+            <a:r>
+              <a:rPr lang="en-US" i="1" dirty="0"/>
+              <a:t>Multiple </a:t>
+            </a:r>
+            <a:r>
+              <a:rPr lang="en-US" dirty="0"/>
+              <a:t>containers </a:t>
+            </a:r>
+            <a:r>
+              <a:rPr lang="en-US" i="1" dirty="0"/>
+              <a:t>(services) can run side-by-side within a single PC/VM</a:t>
+            </a:r>
+            <a:endParaRPr lang="en-US" dirty="0"/>
+          </a:p>
+          <a:p>
+            <a:endParaRPr lang="en-US" i="1" dirty="0"/>
+          </a:p>
+        </p:txBody>
+      </p:sp>
+    </p:spTree>
+    <p:extLst>
+      <p:ext uri="{BB962C8B-B14F-4D97-AF65-F5344CB8AC3E}">
+        <p14:creationId xmlns:p14="http://schemas.microsoft.com/office/powerpoint/2010/main" val="846842461"/>
+      </p:ext>
+    </p:extLst>
+  </p:cSld>
+  <p:clrMapOvr>
+    <a:masterClrMapping/>
+  </p:clrMapOvr>
+</p:sld>
+</file>
+
+<file path=ppt/slides/slide22.xml><?xml version="1.0" encoding="utf-8"?>
+<p:sld xmlns:a="http://schemas.openxmlformats.org/drawingml/2006/main" xmlns:r="http://schemas.openxmlformats.org/officeDocument/2006/relationships" xmlns:p="http://schemas.openxmlformats.org/presentationml/2006/main">
+  <p:cSld>
+    <p:spTree>
+      <p:nvGrpSpPr>
+        <p:cNvPr id="1" name=""/>
+        <p:cNvGrpSpPr/>
+        <p:nvPr/>
+      </p:nvGrpSpPr>
+      <p:grpSpPr>
+        <a:xfrm>
+          <a:off x="0" y="0"/>
+          <a:ext cx="0" cy="0"/>
+          <a:chOff x="0" y="0"/>
+          <a:chExt cx="0" cy="0"/>
+        </a:xfrm>
+      </p:grpSpPr>
+      <p:sp>
+        <p:nvSpPr>
+          <p:cNvPr id="2" name="Title 1"/>
+          <p:cNvSpPr>
+            <a:spLocks noGrp="1"/>
+          </p:cNvSpPr>
+          <p:nvPr>
+            <p:ph type="title"/>
+          </p:nvPr>
+        </p:nvSpPr>
+        <p:spPr/>
+        <p:txBody>
+          <a:bodyPr>
+            <a:normAutofit/>
+          </a:bodyPr>
+          <a:lstStyle/>
+          <a:p>
+            <a:pPr algn="ctr"/>
+            <a:r>
+              <a:rPr lang="en-US" dirty="0"/>
+              <a:t>Containers</a:t>
+            </a:r>
+          </a:p>
+        </p:txBody>
+      </p:sp>
+      <p:sp>
+        <p:nvSpPr>
+          <p:cNvPr id="5" name="Content Placeholder 4">
+            <a:extLst>
+              <a:ext uri="{FF2B5EF4-FFF2-40B4-BE49-F238E27FC236}">
+                <a16:creationId xmlns:a16="http://schemas.microsoft.com/office/drawing/2014/main" id="{3C813FF2-0DF0-274C-A9B2-AF377E3D1C8B}"/>
+              </a:ext>
+            </a:extLst>
+          </p:cNvPr>
+          <p:cNvSpPr>
+            <a:spLocks noGrp="1"/>
+          </p:cNvSpPr>
+          <p:nvPr>
+            <p:ph idx="1"/>
+          </p:nvPr>
+        </p:nvSpPr>
+        <p:spPr/>
+        <p:txBody>
+          <a:bodyPr/>
+          <a:lstStyle/>
+          <a:p>
+            <a:pPr marL="0" indent="0">
+              <a:buNone/>
+            </a:pPr>
+            <a:endParaRPr lang="en-US" dirty="0"/>
+          </a:p>
+        </p:txBody>
+      </p:sp>
+      <p:sp>
+        <p:nvSpPr>
+          <p:cNvPr id="6" name="Rectangle 5">
+            <a:extLst>
+              <a:ext uri="{FF2B5EF4-FFF2-40B4-BE49-F238E27FC236}">
+                <a16:creationId xmlns:a16="http://schemas.microsoft.com/office/drawing/2014/main" id="{48B08A5B-3C54-6E44-A1FD-4497BFB48EAE}"/>
+              </a:ext>
+            </a:extLst>
+          </p:cNvPr>
+          <p:cNvSpPr/>
+          <p:nvPr/>
+        </p:nvSpPr>
+        <p:spPr>
+          <a:xfrm>
+            <a:off x="827584" y="2492896"/>
+            <a:ext cx="2016224" cy="3456384"/>
+          </a:xfrm>
+          <a:prstGeom prst="rect">
+            <a:avLst/>
+          </a:prstGeom>
+          <a:solidFill>
+            <a:schemeClr val="accent6">
+              <a:lumMod val="75000"/>
+            </a:schemeClr>
+          </a:solidFill>
+        </p:spPr>
+        <p:style>
+          <a:lnRef idx="2">
+            <a:schemeClr val="accent1">
+              <a:shade val="50000"/>
+            </a:schemeClr>
+          </a:lnRef>
+          <a:fillRef idx="1">
+            <a:schemeClr val="accent1"/>
+          </a:fillRef>
+          <a:effectRef idx="0">
+            <a:schemeClr val="accent1"/>
+          </a:effectRef>
+          <a:fontRef idx="minor">
+            <a:schemeClr val="lt1"/>
+          </a:fontRef>
+        </p:style>
+        <p:txBody>
+          <a:bodyPr rtlCol="0" anchor="ctr"/>
+          <a:lstStyle/>
+          <a:p>
+            <a:pPr algn="ctr"/>
+            <a:endParaRPr lang="en-US"/>
+          </a:p>
+        </p:txBody>
+      </p:sp>
+      <p:sp>
+        <p:nvSpPr>
+          <p:cNvPr id="8" name="Rectangle 7">
+            <a:extLst>
+              <a:ext uri="{FF2B5EF4-FFF2-40B4-BE49-F238E27FC236}">
+                <a16:creationId xmlns:a16="http://schemas.microsoft.com/office/drawing/2014/main" id="{89D4DCC1-A6B3-6B45-95EB-07F56026FFFF}"/>
+              </a:ext>
+            </a:extLst>
+          </p:cNvPr>
+          <p:cNvSpPr/>
+          <p:nvPr/>
+        </p:nvSpPr>
+        <p:spPr>
+          <a:xfrm>
+            <a:off x="946852" y="3221145"/>
+            <a:ext cx="1752940" cy="494764"/>
+          </a:xfrm>
+          <a:prstGeom prst="rect">
+            <a:avLst/>
+          </a:prstGeom>
+        </p:spPr>
+        <p:style>
+          <a:lnRef idx="2">
+            <a:schemeClr val="accent1">
+              <a:shade val="50000"/>
+            </a:schemeClr>
+          </a:lnRef>
+          <a:fillRef idx="1">
+            <a:schemeClr val="accent1"/>
+          </a:fillRef>
+          <a:effectRef idx="0">
+            <a:schemeClr val="accent1"/>
+          </a:effectRef>
+          <a:fontRef idx="minor">
+            <a:schemeClr val="lt1"/>
+          </a:fontRef>
+        </p:style>
+        <p:txBody>
+          <a:bodyPr rtlCol="0" anchor="ctr"/>
+          <a:lstStyle/>
+          <a:p>
+            <a:r>
+              <a:rPr lang="en-US" dirty="0"/>
+              <a:t>Svc-A	      v1</a:t>
+            </a:r>
+          </a:p>
+        </p:txBody>
+      </p:sp>
+      <p:sp>
+        <p:nvSpPr>
+          <p:cNvPr id="10" name="Rectangle 9">
+            <a:extLst>
+              <a:ext uri="{FF2B5EF4-FFF2-40B4-BE49-F238E27FC236}">
+                <a16:creationId xmlns:a16="http://schemas.microsoft.com/office/drawing/2014/main" id="{4053C3CE-B8E2-6449-93BB-1504CAF3A352}"/>
+              </a:ext>
+            </a:extLst>
+          </p:cNvPr>
+          <p:cNvSpPr/>
+          <p:nvPr/>
+        </p:nvSpPr>
+        <p:spPr>
+          <a:xfrm>
+            <a:off x="946852" y="3858887"/>
+            <a:ext cx="1752940" cy="494764"/>
+          </a:xfrm>
+          <a:prstGeom prst="rect">
+            <a:avLst/>
+          </a:prstGeom>
+        </p:spPr>
+        <p:style>
+          <a:lnRef idx="2">
+            <a:schemeClr val="accent1">
+              <a:shade val="50000"/>
+            </a:schemeClr>
+          </a:lnRef>
+          <a:fillRef idx="1">
+            <a:schemeClr val="accent1"/>
+          </a:fillRef>
+          <a:effectRef idx="0">
+            <a:schemeClr val="accent1"/>
+          </a:effectRef>
+          <a:fontRef idx="minor">
+            <a:schemeClr val="lt1"/>
+          </a:fontRef>
+        </p:style>
+        <p:txBody>
+          <a:bodyPr rtlCol="0" anchor="ctr"/>
+          <a:lstStyle/>
+          <a:p>
+            <a:r>
+              <a:rPr lang="en-US" dirty="0"/>
+              <a:t>Lib-L	      v2</a:t>
+            </a:r>
+          </a:p>
+        </p:txBody>
+      </p:sp>
+      <p:sp>
+        <p:nvSpPr>
+          <p:cNvPr id="13" name="Rectangle 12">
+            <a:extLst>
+              <a:ext uri="{FF2B5EF4-FFF2-40B4-BE49-F238E27FC236}">
+                <a16:creationId xmlns:a16="http://schemas.microsoft.com/office/drawing/2014/main" id="{6D682F11-9C91-134D-B376-57656041E6AF}"/>
+              </a:ext>
+            </a:extLst>
+          </p:cNvPr>
+          <p:cNvSpPr/>
+          <p:nvPr/>
+        </p:nvSpPr>
+        <p:spPr>
+          <a:xfrm>
+            <a:off x="946852" y="5308759"/>
+            <a:ext cx="1824948" cy="494764"/>
+          </a:xfrm>
+          <a:prstGeom prst="rect">
+            <a:avLst/>
+          </a:prstGeom>
+        </p:spPr>
+        <p:style>
+          <a:lnRef idx="2">
+            <a:schemeClr val="accent1">
+              <a:shade val="50000"/>
+            </a:schemeClr>
+          </a:lnRef>
+          <a:fillRef idx="1">
+            <a:schemeClr val="accent1"/>
+          </a:fillRef>
+          <a:effectRef idx="0">
+            <a:schemeClr val="accent1"/>
+          </a:effectRef>
+          <a:fontRef idx="minor">
+            <a:schemeClr val="lt1"/>
+          </a:fontRef>
+        </p:style>
+        <p:txBody>
+          <a:bodyPr rtlCol="0" anchor="ctr"/>
+          <a:lstStyle/>
+          <a:p>
+            <a:r>
+              <a:rPr lang="en-US" dirty="0"/>
+              <a:t>Runtime.        v5</a:t>
+            </a:r>
+          </a:p>
+        </p:txBody>
+      </p:sp>
+      <p:sp>
+        <p:nvSpPr>
+          <p:cNvPr id="16" name="TextBox 15">
+            <a:extLst>
+              <a:ext uri="{FF2B5EF4-FFF2-40B4-BE49-F238E27FC236}">
+                <a16:creationId xmlns:a16="http://schemas.microsoft.com/office/drawing/2014/main" id="{72B9E026-54E6-F64B-935A-C2892E28D47C}"/>
+              </a:ext>
+            </a:extLst>
+          </p:cNvPr>
+          <p:cNvSpPr txBox="1"/>
+          <p:nvPr/>
+        </p:nvSpPr>
+        <p:spPr>
+          <a:xfrm>
+            <a:off x="5868144" y="3356992"/>
+            <a:ext cx="2088232" cy="369332"/>
+          </a:xfrm>
+          <a:prstGeom prst="rect">
+            <a:avLst/>
+          </a:prstGeom>
+          <a:noFill/>
+        </p:spPr>
+        <p:txBody>
+          <a:bodyPr wrap="square" rtlCol="0">
+            <a:spAutoFit/>
+          </a:bodyPr>
+          <a:lstStyle/>
+          <a:p>
+            <a:r>
+              <a:rPr lang="en-US" b="1" dirty="0">
+                <a:solidFill>
+                  <a:schemeClr val="bg1"/>
+                </a:solidFill>
+              </a:rPr>
+              <a:t>Container: svc-A v1</a:t>
+            </a:r>
+          </a:p>
+        </p:txBody>
+      </p:sp>
+      <p:sp>
+        <p:nvSpPr>
+          <p:cNvPr id="35" name="TextBox 34">
+            <a:extLst>
+              <a:ext uri="{FF2B5EF4-FFF2-40B4-BE49-F238E27FC236}">
+                <a16:creationId xmlns:a16="http://schemas.microsoft.com/office/drawing/2014/main" id="{49642607-B006-D242-8473-C3714D1BF119}"/>
+              </a:ext>
+            </a:extLst>
+          </p:cNvPr>
+          <p:cNvSpPr txBox="1"/>
+          <p:nvPr/>
+        </p:nvSpPr>
+        <p:spPr>
+          <a:xfrm>
+            <a:off x="815210" y="2574814"/>
+            <a:ext cx="2016224" cy="646331"/>
+          </a:xfrm>
+          <a:prstGeom prst="rect">
+            <a:avLst/>
+          </a:prstGeom>
+          <a:noFill/>
+        </p:spPr>
+        <p:txBody>
+          <a:bodyPr wrap="square" rtlCol="0">
+            <a:spAutoFit/>
+          </a:bodyPr>
+          <a:lstStyle/>
+          <a:p>
+            <a:pPr algn="ctr"/>
+            <a:r>
+              <a:rPr lang="en-US" b="1" dirty="0">
+                <a:solidFill>
+                  <a:schemeClr val="bg1"/>
+                </a:solidFill>
+              </a:rPr>
+              <a:t>Container Image</a:t>
+            </a:r>
+          </a:p>
+          <a:p>
+            <a:pPr algn="ctr"/>
+            <a:r>
+              <a:rPr lang="en-US" b="1" dirty="0">
+                <a:solidFill>
+                  <a:schemeClr val="bg1"/>
+                </a:solidFill>
+              </a:rPr>
+              <a:t>svc-A v1</a:t>
+            </a:r>
+          </a:p>
+        </p:txBody>
+      </p:sp>
+      <p:sp>
+        <p:nvSpPr>
+          <p:cNvPr id="41" name="Rectangle 40">
+            <a:extLst>
+              <a:ext uri="{FF2B5EF4-FFF2-40B4-BE49-F238E27FC236}">
+                <a16:creationId xmlns:a16="http://schemas.microsoft.com/office/drawing/2014/main" id="{850FA24F-DF8C-0849-8956-EA1B59B25859}"/>
+              </a:ext>
+            </a:extLst>
+          </p:cNvPr>
+          <p:cNvSpPr/>
+          <p:nvPr/>
+        </p:nvSpPr>
+        <p:spPr>
+          <a:xfrm>
+            <a:off x="3341677" y="2492211"/>
+            <a:ext cx="2016224" cy="3456384"/>
+          </a:xfrm>
+          <a:prstGeom prst="rect">
+            <a:avLst/>
+          </a:prstGeom>
+          <a:solidFill>
+            <a:schemeClr val="accent6">
+              <a:lumMod val="75000"/>
+            </a:schemeClr>
+          </a:solidFill>
+        </p:spPr>
+        <p:style>
+          <a:lnRef idx="2">
+            <a:schemeClr val="accent1">
+              <a:shade val="50000"/>
+            </a:schemeClr>
+          </a:lnRef>
+          <a:fillRef idx="1">
+            <a:schemeClr val="accent1"/>
+          </a:fillRef>
+          <a:effectRef idx="0">
+            <a:schemeClr val="accent1"/>
+          </a:effectRef>
+          <a:fontRef idx="minor">
+            <a:schemeClr val="lt1"/>
+          </a:fontRef>
+        </p:style>
+        <p:txBody>
+          <a:bodyPr rtlCol="0" anchor="ctr"/>
+          <a:lstStyle/>
+          <a:p>
+            <a:pPr algn="ctr"/>
+            <a:endParaRPr lang="en-US"/>
+          </a:p>
+        </p:txBody>
+      </p:sp>
+      <p:sp>
+        <p:nvSpPr>
+          <p:cNvPr id="42" name="Rectangle 41">
+            <a:extLst>
+              <a:ext uri="{FF2B5EF4-FFF2-40B4-BE49-F238E27FC236}">
+                <a16:creationId xmlns:a16="http://schemas.microsoft.com/office/drawing/2014/main" id="{8C39DB1E-ED77-F74B-B621-29DC5E0C2DA4}"/>
+              </a:ext>
+            </a:extLst>
+          </p:cNvPr>
+          <p:cNvSpPr/>
+          <p:nvPr/>
+        </p:nvSpPr>
+        <p:spPr>
+          <a:xfrm>
+            <a:off x="3460945" y="3858202"/>
+            <a:ext cx="1752940" cy="494764"/>
+          </a:xfrm>
+          <a:prstGeom prst="rect">
+            <a:avLst/>
+          </a:prstGeom>
+        </p:spPr>
+        <p:style>
+          <a:lnRef idx="2">
+            <a:schemeClr val="accent1">
+              <a:shade val="50000"/>
+            </a:schemeClr>
+          </a:lnRef>
+          <a:fillRef idx="1">
+            <a:schemeClr val="accent1"/>
+          </a:fillRef>
+          <a:effectRef idx="0">
+            <a:schemeClr val="accent1"/>
+          </a:effectRef>
+          <a:fontRef idx="minor">
+            <a:schemeClr val="lt1"/>
+          </a:fontRef>
+        </p:style>
+        <p:txBody>
+          <a:bodyPr rtlCol="0" anchor="ctr"/>
+          <a:lstStyle/>
+          <a:p>
+            <a:r>
+              <a:rPr lang="en-US" dirty="0"/>
+              <a:t>Lib-L	      v8</a:t>
+            </a:r>
+          </a:p>
+        </p:txBody>
+      </p:sp>
+      <p:sp>
+        <p:nvSpPr>
+          <p:cNvPr id="43" name="Rectangle 42">
+            <a:extLst>
+              <a:ext uri="{FF2B5EF4-FFF2-40B4-BE49-F238E27FC236}">
+                <a16:creationId xmlns:a16="http://schemas.microsoft.com/office/drawing/2014/main" id="{429F51EA-EE6D-C143-BBB8-AEDDE2E1AB78}"/>
+              </a:ext>
+            </a:extLst>
+          </p:cNvPr>
+          <p:cNvSpPr/>
+          <p:nvPr/>
+        </p:nvSpPr>
+        <p:spPr>
+          <a:xfrm>
+            <a:off x="3460945" y="5308074"/>
+            <a:ext cx="1824948" cy="494764"/>
+          </a:xfrm>
+          <a:prstGeom prst="rect">
+            <a:avLst/>
+          </a:prstGeom>
+        </p:spPr>
+        <p:style>
+          <a:lnRef idx="2">
+            <a:schemeClr val="accent1">
+              <a:shade val="50000"/>
+            </a:schemeClr>
+          </a:lnRef>
+          <a:fillRef idx="1">
+            <a:schemeClr val="accent1"/>
+          </a:fillRef>
+          <a:effectRef idx="0">
+            <a:schemeClr val="accent1"/>
+          </a:effectRef>
+          <a:fontRef idx="minor">
+            <a:schemeClr val="lt1"/>
+          </a:fontRef>
+        </p:style>
+        <p:txBody>
+          <a:bodyPr rtlCol="0" anchor="ctr"/>
+          <a:lstStyle/>
+          <a:p>
+            <a:r>
+              <a:rPr lang="en-US" dirty="0"/>
+              <a:t>Runtime.        v6</a:t>
+            </a:r>
+          </a:p>
+        </p:txBody>
+      </p:sp>
+      <p:sp>
+        <p:nvSpPr>
+          <p:cNvPr id="44" name="TextBox 43">
+            <a:extLst>
+              <a:ext uri="{FF2B5EF4-FFF2-40B4-BE49-F238E27FC236}">
+                <a16:creationId xmlns:a16="http://schemas.microsoft.com/office/drawing/2014/main" id="{0A4429F7-E7E4-9C4D-9CD6-972F666C2EB6}"/>
+              </a:ext>
+            </a:extLst>
+          </p:cNvPr>
+          <p:cNvSpPr txBox="1"/>
+          <p:nvPr/>
+        </p:nvSpPr>
+        <p:spPr>
+          <a:xfrm>
+            <a:off x="3329303" y="2574129"/>
+            <a:ext cx="2016224" cy="646331"/>
+          </a:xfrm>
+          <a:prstGeom prst="rect">
+            <a:avLst/>
+          </a:prstGeom>
+          <a:noFill/>
+        </p:spPr>
+        <p:txBody>
+          <a:bodyPr wrap="square" rtlCol="0">
+            <a:spAutoFit/>
+          </a:bodyPr>
+          <a:lstStyle/>
+          <a:p>
+            <a:pPr algn="ctr"/>
+            <a:r>
+              <a:rPr lang="en-US" b="1" dirty="0">
+                <a:solidFill>
+                  <a:schemeClr val="bg1"/>
+                </a:solidFill>
+              </a:rPr>
+              <a:t>Container Image</a:t>
+            </a:r>
+          </a:p>
+          <a:p>
+            <a:pPr algn="ctr"/>
+            <a:r>
+              <a:rPr lang="en-US" b="1" dirty="0">
+                <a:solidFill>
+                  <a:schemeClr val="bg1"/>
+                </a:solidFill>
+              </a:rPr>
+              <a:t>svc-B v3</a:t>
+            </a:r>
+          </a:p>
+        </p:txBody>
+      </p:sp>
+      <p:sp>
+        <p:nvSpPr>
+          <p:cNvPr id="45" name="Rectangle 44">
+            <a:extLst>
+              <a:ext uri="{FF2B5EF4-FFF2-40B4-BE49-F238E27FC236}">
+                <a16:creationId xmlns:a16="http://schemas.microsoft.com/office/drawing/2014/main" id="{4D8C5BD2-6F8A-9849-ADDC-E77AE9FD9CAE}"/>
+              </a:ext>
+            </a:extLst>
+          </p:cNvPr>
+          <p:cNvSpPr/>
+          <p:nvPr/>
+        </p:nvSpPr>
+        <p:spPr>
+          <a:xfrm>
+            <a:off x="5724128" y="2492109"/>
+            <a:ext cx="2016224" cy="3456384"/>
+          </a:xfrm>
+          <a:prstGeom prst="rect">
+            <a:avLst/>
+          </a:prstGeom>
+          <a:solidFill>
+            <a:schemeClr val="accent6">
+              <a:lumMod val="75000"/>
+            </a:schemeClr>
+          </a:solidFill>
+        </p:spPr>
+        <p:style>
+          <a:lnRef idx="2">
+            <a:schemeClr val="accent1">
+              <a:shade val="50000"/>
+            </a:schemeClr>
+          </a:lnRef>
+          <a:fillRef idx="1">
+            <a:schemeClr val="accent1"/>
+          </a:fillRef>
+          <a:effectRef idx="0">
+            <a:schemeClr val="accent1"/>
+          </a:effectRef>
+          <a:fontRef idx="minor">
+            <a:schemeClr val="lt1"/>
+          </a:fontRef>
+        </p:style>
+        <p:txBody>
+          <a:bodyPr rtlCol="0" anchor="ctr"/>
+          <a:lstStyle/>
+          <a:p>
+            <a:pPr algn="ctr"/>
+            <a:endParaRPr lang="en-US"/>
+          </a:p>
+        </p:txBody>
+      </p:sp>
+      <p:sp>
+        <p:nvSpPr>
+          <p:cNvPr id="46" name="Rectangle 45">
+            <a:extLst>
+              <a:ext uri="{FF2B5EF4-FFF2-40B4-BE49-F238E27FC236}">
+                <a16:creationId xmlns:a16="http://schemas.microsoft.com/office/drawing/2014/main" id="{A41AAE53-BA8A-6A42-B8AA-CD0F8D877F13}"/>
+              </a:ext>
+            </a:extLst>
+          </p:cNvPr>
+          <p:cNvSpPr/>
+          <p:nvPr/>
+        </p:nvSpPr>
+        <p:spPr>
+          <a:xfrm>
+            <a:off x="5843396" y="3858100"/>
+            <a:ext cx="1752940" cy="494764"/>
+          </a:xfrm>
+          <a:prstGeom prst="rect">
+            <a:avLst/>
+          </a:prstGeom>
+        </p:spPr>
+        <p:style>
+          <a:lnRef idx="2">
+            <a:schemeClr val="accent1">
+              <a:shade val="50000"/>
+            </a:schemeClr>
+          </a:lnRef>
+          <a:fillRef idx="1">
+            <a:schemeClr val="accent1"/>
+          </a:fillRef>
+          <a:effectRef idx="0">
+            <a:schemeClr val="accent1"/>
+          </a:effectRef>
+          <a:fontRef idx="minor">
+            <a:schemeClr val="lt1"/>
+          </a:fontRef>
+        </p:style>
+        <p:txBody>
+          <a:bodyPr rtlCol="0" anchor="ctr"/>
+          <a:lstStyle/>
+          <a:p>
+            <a:r>
+              <a:rPr lang="en-US" dirty="0"/>
+              <a:t>Lib-L	      v10</a:t>
+            </a:r>
+          </a:p>
+        </p:txBody>
+      </p:sp>
+      <p:sp>
+        <p:nvSpPr>
+          <p:cNvPr id="47" name="Rectangle 46">
+            <a:extLst>
+              <a:ext uri="{FF2B5EF4-FFF2-40B4-BE49-F238E27FC236}">
+                <a16:creationId xmlns:a16="http://schemas.microsoft.com/office/drawing/2014/main" id="{F3399A5D-CBBE-CF4B-BDB1-3129C087140B}"/>
+              </a:ext>
+            </a:extLst>
+          </p:cNvPr>
+          <p:cNvSpPr/>
+          <p:nvPr/>
+        </p:nvSpPr>
+        <p:spPr>
+          <a:xfrm>
+            <a:off x="5843396" y="5307972"/>
+            <a:ext cx="1824948" cy="494764"/>
+          </a:xfrm>
+          <a:prstGeom prst="rect">
+            <a:avLst/>
+          </a:prstGeom>
+        </p:spPr>
+        <p:style>
+          <a:lnRef idx="2">
+            <a:schemeClr val="accent1">
+              <a:shade val="50000"/>
+            </a:schemeClr>
+          </a:lnRef>
+          <a:fillRef idx="1">
+            <a:schemeClr val="accent1"/>
+          </a:fillRef>
+          <a:effectRef idx="0">
+            <a:schemeClr val="accent1"/>
+          </a:effectRef>
+          <a:fontRef idx="minor">
+            <a:schemeClr val="lt1"/>
+          </a:fontRef>
+        </p:style>
+        <p:txBody>
+          <a:bodyPr rtlCol="0" anchor="ctr"/>
+          <a:lstStyle/>
+          <a:p>
+            <a:r>
+              <a:rPr lang="en-US" dirty="0"/>
+              <a:t>Runtime.        v8</a:t>
+            </a:r>
+          </a:p>
+        </p:txBody>
+      </p:sp>
+      <p:sp>
+        <p:nvSpPr>
+          <p:cNvPr id="48" name="TextBox 47">
+            <a:extLst>
+              <a:ext uri="{FF2B5EF4-FFF2-40B4-BE49-F238E27FC236}">
+                <a16:creationId xmlns:a16="http://schemas.microsoft.com/office/drawing/2014/main" id="{DE39A436-BAB8-3544-B019-7D52D37AE845}"/>
+              </a:ext>
+            </a:extLst>
+          </p:cNvPr>
+          <p:cNvSpPr txBox="1"/>
+          <p:nvPr/>
+        </p:nvSpPr>
+        <p:spPr>
+          <a:xfrm>
+            <a:off x="5711754" y="2574027"/>
+            <a:ext cx="2016224" cy="646331"/>
+          </a:xfrm>
+          <a:prstGeom prst="rect">
+            <a:avLst/>
+          </a:prstGeom>
+          <a:noFill/>
+        </p:spPr>
+        <p:txBody>
+          <a:bodyPr wrap="square" rtlCol="0">
+            <a:spAutoFit/>
+          </a:bodyPr>
+          <a:lstStyle/>
+          <a:p>
+            <a:pPr algn="ctr"/>
+            <a:r>
+              <a:rPr lang="en-US" b="1" dirty="0">
+                <a:solidFill>
+                  <a:schemeClr val="bg1"/>
+                </a:solidFill>
+              </a:rPr>
+              <a:t>Container Image</a:t>
+            </a:r>
+          </a:p>
+          <a:p>
+            <a:pPr algn="ctr"/>
+            <a:r>
+              <a:rPr lang="en-US" b="1" dirty="0">
+                <a:solidFill>
+                  <a:schemeClr val="bg1"/>
+                </a:solidFill>
+              </a:rPr>
+              <a:t>svc-A v1</a:t>
+            </a:r>
+          </a:p>
+        </p:txBody>
+      </p:sp>
+      <p:sp>
+        <p:nvSpPr>
+          <p:cNvPr id="49" name="Rectangle 48">
+            <a:extLst>
+              <a:ext uri="{FF2B5EF4-FFF2-40B4-BE49-F238E27FC236}">
+                <a16:creationId xmlns:a16="http://schemas.microsoft.com/office/drawing/2014/main" id="{F8391037-B3B8-7C43-8A11-13C3B0C3845B}"/>
+              </a:ext>
+            </a:extLst>
+          </p:cNvPr>
+          <p:cNvSpPr/>
+          <p:nvPr/>
+        </p:nvSpPr>
+        <p:spPr>
+          <a:xfrm>
+            <a:off x="3473319" y="3203250"/>
+            <a:ext cx="1752940" cy="494764"/>
+          </a:xfrm>
+          <a:prstGeom prst="rect">
+            <a:avLst/>
+          </a:prstGeom>
+        </p:spPr>
+        <p:style>
+          <a:lnRef idx="2">
+            <a:schemeClr val="accent1">
+              <a:shade val="50000"/>
+            </a:schemeClr>
+          </a:lnRef>
+          <a:fillRef idx="1">
+            <a:schemeClr val="accent1"/>
+          </a:fillRef>
+          <a:effectRef idx="0">
+            <a:schemeClr val="accent1"/>
+          </a:effectRef>
+          <a:fontRef idx="minor">
+            <a:schemeClr val="lt1"/>
+          </a:fontRef>
+        </p:style>
+        <p:txBody>
+          <a:bodyPr rtlCol="0" anchor="ctr"/>
+          <a:lstStyle/>
+          <a:p>
+            <a:r>
+              <a:rPr lang="en-US" dirty="0"/>
+              <a:t>Svc-B	      v1</a:t>
+            </a:r>
+          </a:p>
+        </p:txBody>
+      </p:sp>
+      <p:sp>
+        <p:nvSpPr>
+          <p:cNvPr id="50" name="Rectangle 49">
+            <a:extLst>
+              <a:ext uri="{FF2B5EF4-FFF2-40B4-BE49-F238E27FC236}">
+                <a16:creationId xmlns:a16="http://schemas.microsoft.com/office/drawing/2014/main" id="{3DE2FF08-F735-BE44-BA0A-59CCEE1907BF}"/>
+              </a:ext>
+            </a:extLst>
+          </p:cNvPr>
+          <p:cNvSpPr/>
+          <p:nvPr/>
+        </p:nvSpPr>
+        <p:spPr>
+          <a:xfrm>
+            <a:off x="5831022" y="3212976"/>
+            <a:ext cx="1752940" cy="494764"/>
+          </a:xfrm>
+          <a:prstGeom prst="rect">
+            <a:avLst/>
+          </a:prstGeom>
+        </p:spPr>
+        <p:style>
+          <a:lnRef idx="2">
+            <a:schemeClr val="accent1">
+              <a:shade val="50000"/>
+            </a:schemeClr>
+          </a:lnRef>
+          <a:fillRef idx="1">
+            <a:schemeClr val="accent1"/>
+          </a:fillRef>
+          <a:effectRef idx="0">
+            <a:schemeClr val="accent1"/>
+          </a:effectRef>
+          <a:fontRef idx="minor">
+            <a:schemeClr val="lt1"/>
+          </a:fontRef>
+        </p:style>
+        <p:txBody>
+          <a:bodyPr rtlCol="0" anchor="ctr"/>
+          <a:lstStyle/>
+          <a:p>
+            <a:r>
+              <a:rPr lang="en-US" dirty="0"/>
+              <a:t>Svc-A	      v3</a:t>
+            </a:r>
+          </a:p>
+        </p:txBody>
+      </p:sp>
+      <p:sp>
+        <p:nvSpPr>
+          <p:cNvPr id="51" name="Rectangle 50">
+            <a:extLst>
+              <a:ext uri="{FF2B5EF4-FFF2-40B4-BE49-F238E27FC236}">
+                <a16:creationId xmlns:a16="http://schemas.microsoft.com/office/drawing/2014/main" id="{5934957E-274D-AE43-B7C3-0DB3717D636A}"/>
+              </a:ext>
+            </a:extLst>
+          </p:cNvPr>
+          <p:cNvSpPr/>
+          <p:nvPr/>
+        </p:nvSpPr>
+        <p:spPr>
+          <a:xfrm>
+            <a:off x="3473319" y="4526480"/>
+            <a:ext cx="1752940" cy="494764"/>
+          </a:xfrm>
+          <a:prstGeom prst="rect">
+            <a:avLst/>
+          </a:prstGeom>
+        </p:spPr>
+        <p:style>
+          <a:lnRef idx="2">
+            <a:schemeClr val="accent1">
+              <a:shade val="50000"/>
+            </a:schemeClr>
+          </a:lnRef>
+          <a:fillRef idx="1">
+            <a:schemeClr val="accent1"/>
+          </a:fillRef>
+          <a:effectRef idx="0">
+            <a:schemeClr val="accent1"/>
+          </a:effectRef>
+          <a:fontRef idx="minor">
+            <a:schemeClr val="lt1"/>
+          </a:fontRef>
+        </p:style>
+        <p:txBody>
+          <a:bodyPr rtlCol="0" anchor="ctr"/>
+          <a:lstStyle/>
+          <a:p>
+            <a:r>
+              <a:rPr lang="en-US" dirty="0"/>
+              <a:t>Lib-L	      v4</a:t>
+            </a:r>
+          </a:p>
+        </p:txBody>
+      </p:sp>
+      <p:sp>
+        <p:nvSpPr>
+          <p:cNvPr id="52" name="Rectangle 51">
+            <a:extLst>
+              <a:ext uri="{FF2B5EF4-FFF2-40B4-BE49-F238E27FC236}">
+                <a16:creationId xmlns:a16="http://schemas.microsoft.com/office/drawing/2014/main" id="{206628D4-C4B5-D347-92EE-67049779F34A}"/>
+              </a:ext>
+            </a:extLst>
+          </p:cNvPr>
+          <p:cNvSpPr/>
+          <p:nvPr/>
+        </p:nvSpPr>
+        <p:spPr>
+          <a:xfrm>
+            <a:off x="671194" y="2007774"/>
+            <a:ext cx="7233711" cy="4484161"/>
+          </a:xfrm>
+          <a:prstGeom prst="rect">
+            <a:avLst/>
+          </a:prstGeom>
+          <a:noFill/>
+        </p:spPr>
+        <p:style>
+          <a:lnRef idx="2">
+            <a:schemeClr val="accent1">
+              <a:shade val="50000"/>
+            </a:schemeClr>
+          </a:lnRef>
+          <a:fillRef idx="1">
+            <a:schemeClr val="accent1"/>
+          </a:fillRef>
+          <a:effectRef idx="0">
+            <a:schemeClr val="accent1"/>
+          </a:effectRef>
+          <a:fontRef idx="minor">
+            <a:schemeClr val="lt1"/>
+          </a:fontRef>
+        </p:style>
+        <p:txBody>
+          <a:bodyPr rtlCol="0" anchor="ctr"/>
+          <a:lstStyle/>
+          <a:p>
+            <a:pPr algn="ctr"/>
+            <a:endParaRPr lang="en-US"/>
+          </a:p>
+        </p:txBody>
+      </p:sp>
+      <p:sp>
+        <p:nvSpPr>
+          <p:cNvPr id="53" name="TextBox 52">
+            <a:extLst>
+              <a:ext uri="{FF2B5EF4-FFF2-40B4-BE49-F238E27FC236}">
+                <a16:creationId xmlns:a16="http://schemas.microsoft.com/office/drawing/2014/main" id="{2E6D9FED-4515-FE4B-98DA-D12F3C90FD31}"/>
+              </a:ext>
+            </a:extLst>
+          </p:cNvPr>
+          <p:cNvSpPr txBox="1"/>
+          <p:nvPr/>
+        </p:nvSpPr>
+        <p:spPr>
+          <a:xfrm>
+            <a:off x="3643070" y="2063530"/>
+            <a:ext cx="1388689" cy="369332"/>
+          </a:xfrm>
+          <a:prstGeom prst="rect">
+            <a:avLst/>
+          </a:prstGeom>
+          <a:noFill/>
+        </p:spPr>
+        <p:txBody>
+          <a:bodyPr wrap="square" rtlCol="0">
+            <a:spAutoFit/>
+          </a:bodyPr>
+          <a:lstStyle/>
+          <a:p>
+            <a:pPr algn="ctr"/>
+            <a:r>
+              <a:rPr lang="en-US" dirty="0"/>
+              <a:t>PC/VM</a:t>
+            </a:r>
+          </a:p>
+        </p:txBody>
+      </p:sp>
+    </p:spTree>
+    <p:extLst>
+      <p:ext uri="{BB962C8B-B14F-4D97-AF65-F5344CB8AC3E}">
+        <p14:creationId xmlns:p14="http://schemas.microsoft.com/office/powerpoint/2010/main" val="1457773754"/>
+      </p:ext>
+    </p:extLst>
+  </p:cSld>
+  <p:clrMapOvr>
+    <a:masterClrMapping/>
+  </p:clrMapOvr>
+  <p:timing>
+    <p:tnLst>
+      <p:par>
+        <p:cTn id="1" dur="indefinite" restart="never" nodeType="tmRoot">
+          <p:childTnLst>
+            <p:seq concurrent="1" nextAc="seek">
+              <p:cTn id="2" dur="indefinite" nodeType="mainSeq">
+                <p:childTnLst>
+                  <p:par>
+                    <p:cTn id="3" fill="hold">
+                      <p:stCondLst>
+                        <p:cond delay="indefinite"/>
+                      </p:stCondLst>
+                      <p:childTnLst>
+                        <p:par>
+                          <p:cTn id="4" fill="hold">
+                            <p:stCondLst>
+                              <p:cond delay="0"/>
+                            </p:stCondLst>
+                            <p:childTnLst>
+                              <p:par>
+                                <p:cTn id="5" presetID="3" presetClass="entr" presetSubtype="10" fill="hold" grpId="0" nodeType="clickEffect">
+                                  <p:stCondLst>
+                                    <p:cond delay="0"/>
+                                  </p:stCondLst>
+                                  <p:childTnLst>
+                                    <p:set>
+                                      <p:cBhvr>
+                                        <p:cTn id="6" dur="1" fill="hold">
+                                          <p:stCondLst>
+                                            <p:cond delay="0"/>
+                                          </p:stCondLst>
+                                        </p:cTn>
+                                        <p:tgtEl>
+                                          <p:spTgt spid="13"/>
+                                        </p:tgtEl>
+                                        <p:attrNameLst>
+                                          <p:attrName>style.visibility</p:attrName>
+                                        </p:attrNameLst>
+                                      </p:cBhvr>
+                                      <p:to>
+                                        <p:strVal val="visible"/>
+                                      </p:to>
+                                    </p:set>
+                                    <p:animEffect transition="in" filter="blinds(horizontal)">
+                                      <p:cBhvr>
+                                        <p:cTn id="7" dur="500"/>
+                                        <p:tgtEl>
+                                          <p:spTgt spid="13"/>
+                                        </p:tgtEl>
+                                      </p:cBhvr>
+                                    </p:animEffect>
+                                  </p:childTnLst>
+                                </p:cTn>
+                              </p:par>
+                              <p:par>
+                                <p:cTn id="8" presetID="3" presetClass="entr" presetSubtype="10" fill="hold" grpId="0" nodeType="withEffect">
+                                  <p:stCondLst>
+                                    <p:cond delay="0"/>
+                                  </p:stCondLst>
+                                  <p:childTnLst>
+                                    <p:set>
+                                      <p:cBhvr>
+                                        <p:cTn id="9" dur="1" fill="hold">
+                                          <p:stCondLst>
+                                            <p:cond delay="0"/>
+                                          </p:stCondLst>
+                                        </p:cTn>
+                                        <p:tgtEl>
+                                          <p:spTgt spid="10"/>
+                                        </p:tgtEl>
+                                        <p:attrNameLst>
+                                          <p:attrName>style.visibility</p:attrName>
+                                        </p:attrNameLst>
+                                      </p:cBhvr>
+                                      <p:to>
+                                        <p:strVal val="visible"/>
+                                      </p:to>
+                                    </p:set>
+                                    <p:animEffect transition="in" filter="blinds(horizontal)">
+                                      <p:cBhvr>
+                                        <p:cTn id="10" dur="500"/>
+                                        <p:tgtEl>
+                                          <p:spTgt spid="10"/>
+                                        </p:tgtEl>
+                                      </p:cBhvr>
+                                    </p:animEffect>
+                                  </p:childTnLst>
+                                </p:cTn>
+                              </p:par>
+                              <p:par>
+                                <p:cTn id="11" presetID="3" presetClass="entr" presetSubtype="10" fill="hold" grpId="0" nodeType="withEffect">
+                                  <p:stCondLst>
+                                    <p:cond delay="0"/>
+                                  </p:stCondLst>
+                                  <p:childTnLst>
+                                    <p:set>
+                                      <p:cBhvr>
+                                        <p:cTn id="12" dur="1" fill="hold">
+                                          <p:stCondLst>
+                                            <p:cond delay="0"/>
+                                          </p:stCondLst>
+                                        </p:cTn>
+                                        <p:tgtEl>
+                                          <p:spTgt spid="35"/>
+                                        </p:tgtEl>
+                                        <p:attrNameLst>
+                                          <p:attrName>style.visibility</p:attrName>
+                                        </p:attrNameLst>
+                                      </p:cBhvr>
+                                      <p:to>
+                                        <p:strVal val="visible"/>
+                                      </p:to>
+                                    </p:set>
+                                    <p:animEffect transition="in" filter="blinds(horizontal)">
+                                      <p:cBhvr>
+                                        <p:cTn id="13" dur="500"/>
+                                        <p:tgtEl>
+                                          <p:spTgt spid="35"/>
+                                        </p:tgtEl>
+                                      </p:cBhvr>
+                                    </p:animEffect>
+                                  </p:childTnLst>
+                                </p:cTn>
+                              </p:par>
+                              <p:par>
+                                <p:cTn id="14" presetID="3" presetClass="entr" presetSubtype="10" fill="hold" grpId="0" nodeType="withEffect">
+                                  <p:stCondLst>
+                                    <p:cond delay="0"/>
+                                  </p:stCondLst>
+                                  <p:childTnLst>
+                                    <p:set>
+                                      <p:cBhvr>
+                                        <p:cTn id="15" dur="1" fill="hold">
+                                          <p:stCondLst>
+                                            <p:cond delay="0"/>
+                                          </p:stCondLst>
+                                        </p:cTn>
+                                        <p:tgtEl>
+                                          <p:spTgt spid="8"/>
+                                        </p:tgtEl>
+                                        <p:attrNameLst>
+                                          <p:attrName>style.visibility</p:attrName>
+                                        </p:attrNameLst>
+                                      </p:cBhvr>
+                                      <p:to>
+                                        <p:strVal val="visible"/>
+                                      </p:to>
+                                    </p:set>
+                                    <p:animEffect transition="in" filter="blinds(horizontal)">
+                                      <p:cBhvr>
+                                        <p:cTn id="16" dur="500"/>
+                                        <p:tgtEl>
+                                          <p:spTgt spid="8"/>
+                                        </p:tgtEl>
+                                      </p:cBhvr>
+                                    </p:animEffect>
+                                  </p:childTnLst>
+                                </p:cTn>
+                              </p:par>
+                              <p:par>
+                                <p:cTn id="17" presetID="3" presetClass="entr" presetSubtype="10" fill="hold" grpId="0" nodeType="withEffect">
+                                  <p:stCondLst>
+                                    <p:cond delay="0"/>
+                                  </p:stCondLst>
+                                  <p:childTnLst>
+                                    <p:set>
+                                      <p:cBhvr>
+                                        <p:cTn id="18" dur="1" fill="hold">
+                                          <p:stCondLst>
+                                            <p:cond delay="0"/>
+                                          </p:stCondLst>
+                                        </p:cTn>
+                                        <p:tgtEl>
+                                          <p:spTgt spid="6"/>
+                                        </p:tgtEl>
+                                        <p:attrNameLst>
+                                          <p:attrName>style.visibility</p:attrName>
+                                        </p:attrNameLst>
+                                      </p:cBhvr>
+                                      <p:to>
+                                        <p:strVal val="visible"/>
+                                      </p:to>
+                                    </p:set>
+                                    <p:animEffect transition="in" filter="blinds(horizontal)">
+                                      <p:cBhvr>
+                                        <p:cTn id="19" dur="500"/>
+                                        <p:tgtEl>
+                                          <p:spTgt spid="6"/>
+                                        </p:tgtEl>
+                                      </p:cBhvr>
+                                    </p:animEffect>
+                                  </p:childTnLst>
+                                </p:cTn>
+                              </p:par>
+                            </p:childTnLst>
+                          </p:cTn>
+                        </p:par>
+                      </p:childTnLst>
+                    </p:cTn>
+                  </p:par>
+                  <p:par>
+                    <p:cTn id="20" fill="hold">
+                      <p:stCondLst>
+                        <p:cond delay="indefinite"/>
+                      </p:stCondLst>
+                      <p:childTnLst>
+                        <p:par>
+                          <p:cTn id="21" fill="hold">
+                            <p:stCondLst>
+                              <p:cond delay="0"/>
+                            </p:stCondLst>
+                            <p:childTnLst>
+                              <p:par>
+                                <p:cTn id="22" presetID="3" presetClass="entr" presetSubtype="10" fill="hold" grpId="0" nodeType="clickEffect">
+                                  <p:stCondLst>
+                                    <p:cond delay="0"/>
+                                  </p:stCondLst>
+                                  <p:childTnLst>
+                                    <p:set>
+                                      <p:cBhvr>
+                                        <p:cTn id="23" dur="1" fill="hold">
+                                          <p:stCondLst>
+                                            <p:cond delay="0"/>
+                                          </p:stCondLst>
+                                        </p:cTn>
+                                        <p:tgtEl>
+                                          <p:spTgt spid="44"/>
+                                        </p:tgtEl>
+                                        <p:attrNameLst>
+                                          <p:attrName>style.visibility</p:attrName>
+                                        </p:attrNameLst>
+                                      </p:cBhvr>
+                                      <p:to>
+                                        <p:strVal val="visible"/>
+                                      </p:to>
+                                    </p:set>
+                                    <p:animEffect transition="in" filter="blinds(horizontal)">
+                                      <p:cBhvr>
+                                        <p:cTn id="24" dur="500"/>
+                                        <p:tgtEl>
+                                          <p:spTgt spid="44"/>
+                                        </p:tgtEl>
+                                      </p:cBhvr>
+                                    </p:animEffect>
+                                  </p:childTnLst>
+                                </p:cTn>
+                              </p:par>
+                              <p:par>
+                                <p:cTn id="25" presetID="3" presetClass="entr" presetSubtype="10" fill="hold" grpId="0" nodeType="withEffect">
+                                  <p:stCondLst>
+                                    <p:cond delay="0"/>
+                                  </p:stCondLst>
+                                  <p:childTnLst>
+                                    <p:set>
+                                      <p:cBhvr>
+                                        <p:cTn id="26" dur="1" fill="hold">
+                                          <p:stCondLst>
+                                            <p:cond delay="0"/>
+                                          </p:stCondLst>
+                                        </p:cTn>
+                                        <p:tgtEl>
+                                          <p:spTgt spid="49"/>
+                                        </p:tgtEl>
+                                        <p:attrNameLst>
+                                          <p:attrName>style.visibility</p:attrName>
+                                        </p:attrNameLst>
+                                      </p:cBhvr>
+                                      <p:to>
+                                        <p:strVal val="visible"/>
+                                      </p:to>
+                                    </p:set>
+                                    <p:animEffect transition="in" filter="blinds(horizontal)">
+                                      <p:cBhvr>
+                                        <p:cTn id="27" dur="500"/>
+                                        <p:tgtEl>
+                                          <p:spTgt spid="49"/>
+                                        </p:tgtEl>
+                                      </p:cBhvr>
+                                    </p:animEffect>
+                                  </p:childTnLst>
+                                </p:cTn>
+                              </p:par>
+                              <p:par>
+                                <p:cTn id="28" presetID="3" presetClass="entr" presetSubtype="10" fill="hold" grpId="0" nodeType="withEffect">
+                                  <p:stCondLst>
+                                    <p:cond delay="0"/>
+                                  </p:stCondLst>
+                                  <p:childTnLst>
+                                    <p:set>
+                                      <p:cBhvr>
+                                        <p:cTn id="29" dur="1" fill="hold">
+                                          <p:stCondLst>
+                                            <p:cond delay="0"/>
+                                          </p:stCondLst>
+                                        </p:cTn>
+                                        <p:tgtEl>
+                                          <p:spTgt spid="42"/>
+                                        </p:tgtEl>
+                                        <p:attrNameLst>
+                                          <p:attrName>style.visibility</p:attrName>
+                                        </p:attrNameLst>
+                                      </p:cBhvr>
+                                      <p:to>
+                                        <p:strVal val="visible"/>
+                                      </p:to>
+                                    </p:set>
+                                    <p:animEffect transition="in" filter="blinds(horizontal)">
+                                      <p:cBhvr>
+                                        <p:cTn id="30" dur="500"/>
+                                        <p:tgtEl>
+                                          <p:spTgt spid="42"/>
+                                        </p:tgtEl>
+                                      </p:cBhvr>
+                                    </p:animEffect>
+                                  </p:childTnLst>
+                                </p:cTn>
+                              </p:par>
+                              <p:par>
+                                <p:cTn id="31" presetID="3" presetClass="entr" presetSubtype="10" fill="hold" grpId="0" nodeType="withEffect">
+                                  <p:stCondLst>
+                                    <p:cond delay="0"/>
+                                  </p:stCondLst>
+                                  <p:childTnLst>
+                                    <p:set>
+                                      <p:cBhvr>
+                                        <p:cTn id="32" dur="1" fill="hold">
+                                          <p:stCondLst>
+                                            <p:cond delay="0"/>
+                                          </p:stCondLst>
+                                        </p:cTn>
+                                        <p:tgtEl>
+                                          <p:spTgt spid="51"/>
+                                        </p:tgtEl>
+                                        <p:attrNameLst>
+                                          <p:attrName>style.visibility</p:attrName>
+                                        </p:attrNameLst>
+                                      </p:cBhvr>
+                                      <p:to>
+                                        <p:strVal val="visible"/>
+                                      </p:to>
+                                    </p:set>
+                                    <p:animEffect transition="in" filter="blinds(horizontal)">
+                                      <p:cBhvr>
+                                        <p:cTn id="33" dur="500"/>
+                                        <p:tgtEl>
+                                          <p:spTgt spid="51"/>
+                                        </p:tgtEl>
+                                      </p:cBhvr>
+                                    </p:animEffect>
+                                  </p:childTnLst>
+                                </p:cTn>
+                              </p:par>
+                              <p:par>
+                                <p:cTn id="34" presetID="3" presetClass="entr" presetSubtype="10" fill="hold" grpId="0" nodeType="withEffect">
+                                  <p:stCondLst>
+                                    <p:cond delay="0"/>
+                                  </p:stCondLst>
+                                  <p:childTnLst>
+                                    <p:set>
+                                      <p:cBhvr>
+                                        <p:cTn id="35" dur="1" fill="hold">
+                                          <p:stCondLst>
+                                            <p:cond delay="0"/>
+                                          </p:stCondLst>
+                                        </p:cTn>
+                                        <p:tgtEl>
+                                          <p:spTgt spid="43"/>
+                                        </p:tgtEl>
+                                        <p:attrNameLst>
+                                          <p:attrName>style.visibility</p:attrName>
+                                        </p:attrNameLst>
+                                      </p:cBhvr>
+                                      <p:to>
+                                        <p:strVal val="visible"/>
+                                      </p:to>
+                                    </p:set>
+                                    <p:animEffect transition="in" filter="blinds(horizontal)">
+                                      <p:cBhvr>
+                                        <p:cTn id="36" dur="500"/>
+                                        <p:tgtEl>
+                                          <p:spTgt spid="43"/>
+                                        </p:tgtEl>
+                                      </p:cBhvr>
+                                    </p:animEffect>
+                                  </p:childTnLst>
+                                </p:cTn>
+                              </p:par>
+                              <p:par>
+                                <p:cTn id="37" presetID="3" presetClass="entr" presetSubtype="10" fill="hold" grpId="0" nodeType="withEffect">
+                                  <p:stCondLst>
+                                    <p:cond delay="0"/>
+                                  </p:stCondLst>
+                                  <p:childTnLst>
+                                    <p:set>
+                                      <p:cBhvr>
+                                        <p:cTn id="38" dur="1" fill="hold">
+                                          <p:stCondLst>
+                                            <p:cond delay="0"/>
+                                          </p:stCondLst>
+                                        </p:cTn>
+                                        <p:tgtEl>
+                                          <p:spTgt spid="41"/>
+                                        </p:tgtEl>
+                                        <p:attrNameLst>
+                                          <p:attrName>style.visibility</p:attrName>
+                                        </p:attrNameLst>
+                                      </p:cBhvr>
+                                      <p:to>
+                                        <p:strVal val="visible"/>
+                                      </p:to>
+                                    </p:set>
+                                    <p:animEffect transition="in" filter="blinds(horizontal)">
+                                      <p:cBhvr>
+                                        <p:cTn id="39" dur="500"/>
+                                        <p:tgtEl>
+                                          <p:spTgt spid="41"/>
+                                        </p:tgtEl>
+                                      </p:cBhvr>
+                                    </p:animEffect>
+                                  </p:childTnLst>
+                                </p:cTn>
+                              </p:par>
+                            </p:childTnLst>
+                          </p:cTn>
+                        </p:par>
+                      </p:childTnLst>
+                    </p:cTn>
+                  </p:par>
+                  <p:par>
+                    <p:cTn id="40" fill="hold">
+                      <p:stCondLst>
+                        <p:cond delay="indefinite"/>
+                      </p:stCondLst>
+                      <p:childTnLst>
+                        <p:par>
+                          <p:cTn id="41" fill="hold">
+                            <p:stCondLst>
+                              <p:cond delay="0"/>
+                            </p:stCondLst>
+                            <p:childTnLst>
+                              <p:par>
+                                <p:cTn id="42" presetID="3" presetClass="entr" presetSubtype="10" fill="hold" grpId="0" nodeType="clickEffect">
+                                  <p:stCondLst>
+                                    <p:cond delay="0"/>
+                                  </p:stCondLst>
+                                  <p:childTnLst>
+                                    <p:set>
+                                      <p:cBhvr>
+                                        <p:cTn id="43" dur="1" fill="hold">
+                                          <p:stCondLst>
+                                            <p:cond delay="0"/>
+                                          </p:stCondLst>
+                                        </p:cTn>
+                                        <p:tgtEl>
+                                          <p:spTgt spid="48"/>
+                                        </p:tgtEl>
+                                        <p:attrNameLst>
+                                          <p:attrName>style.visibility</p:attrName>
+                                        </p:attrNameLst>
+                                      </p:cBhvr>
+                                      <p:to>
+                                        <p:strVal val="visible"/>
+                                      </p:to>
+                                    </p:set>
+                                    <p:animEffect transition="in" filter="blinds(horizontal)">
+                                      <p:cBhvr>
+                                        <p:cTn id="44" dur="500"/>
+                                        <p:tgtEl>
+                                          <p:spTgt spid="48"/>
+                                        </p:tgtEl>
+                                      </p:cBhvr>
+                                    </p:animEffect>
+                                  </p:childTnLst>
+                                </p:cTn>
+                              </p:par>
+                              <p:par>
+                                <p:cTn id="45" presetID="3" presetClass="entr" presetSubtype="10" fill="hold" grpId="0" nodeType="withEffect">
+                                  <p:stCondLst>
+                                    <p:cond delay="0"/>
+                                  </p:stCondLst>
+                                  <p:childTnLst>
+                                    <p:set>
+                                      <p:cBhvr>
+                                        <p:cTn id="46" dur="1" fill="hold">
+                                          <p:stCondLst>
+                                            <p:cond delay="0"/>
+                                          </p:stCondLst>
+                                        </p:cTn>
+                                        <p:tgtEl>
+                                          <p:spTgt spid="46"/>
+                                        </p:tgtEl>
+                                        <p:attrNameLst>
+                                          <p:attrName>style.visibility</p:attrName>
+                                        </p:attrNameLst>
+                                      </p:cBhvr>
+                                      <p:to>
+                                        <p:strVal val="visible"/>
+                                      </p:to>
+                                    </p:set>
+                                    <p:animEffect transition="in" filter="blinds(horizontal)">
+                                      <p:cBhvr>
+                                        <p:cTn id="47" dur="500"/>
+                                        <p:tgtEl>
+                                          <p:spTgt spid="46"/>
+                                        </p:tgtEl>
+                                      </p:cBhvr>
+                                    </p:animEffect>
+                                  </p:childTnLst>
+                                </p:cTn>
+                              </p:par>
+                              <p:par>
+                                <p:cTn id="48" presetID="3" presetClass="entr" presetSubtype="10" fill="hold" grpId="0" nodeType="withEffect">
+                                  <p:stCondLst>
+                                    <p:cond delay="0"/>
+                                  </p:stCondLst>
+                                  <p:childTnLst>
+                                    <p:set>
+                                      <p:cBhvr>
+                                        <p:cTn id="49" dur="1" fill="hold">
+                                          <p:stCondLst>
+                                            <p:cond delay="0"/>
+                                          </p:stCondLst>
+                                        </p:cTn>
+                                        <p:tgtEl>
+                                          <p:spTgt spid="45"/>
+                                        </p:tgtEl>
+                                        <p:attrNameLst>
+                                          <p:attrName>style.visibility</p:attrName>
+                                        </p:attrNameLst>
+                                      </p:cBhvr>
+                                      <p:to>
+                                        <p:strVal val="visible"/>
+                                      </p:to>
+                                    </p:set>
+                                    <p:animEffect transition="in" filter="blinds(horizontal)">
+                                      <p:cBhvr>
+                                        <p:cTn id="50" dur="500"/>
+                                        <p:tgtEl>
+                                          <p:spTgt spid="45"/>
+                                        </p:tgtEl>
+                                      </p:cBhvr>
+                                    </p:animEffect>
+                                  </p:childTnLst>
+                                </p:cTn>
+                              </p:par>
+                              <p:par>
+                                <p:cTn id="51" presetID="3" presetClass="entr" presetSubtype="10" fill="hold" grpId="0" nodeType="withEffect">
+                                  <p:stCondLst>
+                                    <p:cond delay="0"/>
+                                  </p:stCondLst>
+                                  <p:childTnLst>
+                                    <p:set>
+                                      <p:cBhvr>
+                                        <p:cTn id="52" dur="1" fill="hold">
+                                          <p:stCondLst>
+                                            <p:cond delay="0"/>
+                                          </p:stCondLst>
+                                        </p:cTn>
+                                        <p:tgtEl>
+                                          <p:spTgt spid="50"/>
+                                        </p:tgtEl>
+                                        <p:attrNameLst>
+                                          <p:attrName>style.visibility</p:attrName>
+                                        </p:attrNameLst>
+                                      </p:cBhvr>
+                                      <p:to>
+                                        <p:strVal val="visible"/>
+                                      </p:to>
+                                    </p:set>
+                                    <p:animEffect transition="in" filter="blinds(horizontal)">
+                                      <p:cBhvr>
+                                        <p:cTn id="53" dur="500"/>
+                                        <p:tgtEl>
+                                          <p:spTgt spid="50"/>
+                                        </p:tgtEl>
+                                      </p:cBhvr>
+                                    </p:animEffect>
+                                  </p:childTnLst>
+                                </p:cTn>
+                              </p:par>
+                              <p:par>
+                                <p:cTn id="54" presetID="3" presetClass="entr" presetSubtype="10" fill="hold" grpId="0" nodeType="withEffect">
+                                  <p:stCondLst>
+                                    <p:cond delay="0"/>
+                                  </p:stCondLst>
+                                  <p:childTnLst>
+                                    <p:set>
+                                      <p:cBhvr>
+                                        <p:cTn id="55" dur="1" fill="hold">
+                                          <p:stCondLst>
+                                            <p:cond delay="0"/>
+                                          </p:stCondLst>
+                                        </p:cTn>
+                                        <p:tgtEl>
+                                          <p:spTgt spid="47"/>
+                                        </p:tgtEl>
+                                        <p:attrNameLst>
+                                          <p:attrName>style.visibility</p:attrName>
+                                        </p:attrNameLst>
+                                      </p:cBhvr>
+                                      <p:to>
+                                        <p:strVal val="visible"/>
+                                      </p:to>
+                                    </p:set>
+                                    <p:animEffect transition="in" filter="blinds(horizontal)">
+                                      <p:cBhvr>
+                                        <p:cTn id="56" dur="500"/>
+                                        <p:tgtEl>
+                                          <p:spTgt spid="47"/>
+                                        </p:tgtEl>
+                                      </p:cBhvr>
+                                    </p:animEffect>
+                                  </p:childTnLst>
+                                </p:cTn>
+                              </p:par>
+                            </p:childTnLst>
+                          </p:cTn>
+                        </p:par>
+                      </p:childTnLst>
+                    </p:cTn>
+                  </p:par>
+                  <p:par>
+                    <p:cTn id="57" fill="hold">
+                      <p:stCondLst>
+                        <p:cond delay="indefinite"/>
+                      </p:stCondLst>
+                      <p:childTnLst>
+                        <p:par>
+                          <p:cTn id="58" fill="hold">
+                            <p:stCondLst>
+                              <p:cond delay="0"/>
+                            </p:stCondLst>
+                            <p:childTnLst>
+                              <p:par>
+                                <p:cTn id="59" presetID="2" presetClass="entr" presetSubtype="4" fill="hold" grpId="0" nodeType="clickEffect">
+                                  <p:stCondLst>
+                                    <p:cond delay="0"/>
+                                  </p:stCondLst>
+                                  <p:childTnLst>
+                                    <p:set>
+                                      <p:cBhvr>
+                                        <p:cTn id="60" dur="1" fill="hold">
+                                          <p:stCondLst>
+                                            <p:cond delay="0"/>
+                                          </p:stCondLst>
+                                        </p:cTn>
+                                        <p:tgtEl>
+                                          <p:spTgt spid="52"/>
+                                        </p:tgtEl>
+                                        <p:attrNameLst>
+                                          <p:attrName>style.visibility</p:attrName>
+                                        </p:attrNameLst>
+                                      </p:cBhvr>
+                                      <p:to>
+                                        <p:strVal val="visible"/>
+                                      </p:to>
+                                    </p:set>
+                                    <p:anim calcmode="lin" valueType="num">
+                                      <p:cBhvr additive="base">
+                                        <p:cTn id="61" dur="500" fill="hold"/>
+                                        <p:tgtEl>
+                                          <p:spTgt spid="52"/>
+                                        </p:tgtEl>
+                                        <p:attrNameLst>
+                                          <p:attrName>ppt_x</p:attrName>
+                                        </p:attrNameLst>
+                                      </p:cBhvr>
+                                      <p:tavLst>
+                                        <p:tav tm="0">
+                                          <p:val>
+                                            <p:strVal val="#ppt_x"/>
+                                          </p:val>
+                                        </p:tav>
+                                        <p:tav tm="100000">
+                                          <p:val>
+                                            <p:strVal val="#ppt_x"/>
+                                          </p:val>
+                                        </p:tav>
+                                      </p:tavLst>
+                                    </p:anim>
+                                    <p:anim calcmode="lin" valueType="num">
+                                      <p:cBhvr additive="base">
+                                        <p:cTn id="62" dur="500" fill="hold"/>
+                                        <p:tgtEl>
+                                          <p:spTgt spid="52"/>
+                                        </p:tgtEl>
+                                        <p:attrNameLst>
+                                          <p:attrName>ppt_y</p:attrName>
+                                        </p:attrNameLst>
+                                      </p:cBhvr>
+                                      <p:tavLst>
+                                        <p:tav tm="0">
+                                          <p:val>
+                                            <p:strVal val="1+#ppt_h/2"/>
+                                          </p:val>
+                                        </p:tav>
+                                        <p:tav tm="100000">
+                                          <p:val>
+                                            <p:strVal val="#ppt_y"/>
+                                          </p:val>
+                                        </p:tav>
+                                      </p:tavLst>
+                                    </p:anim>
+                                  </p:childTnLst>
+                                </p:cTn>
+                              </p:par>
+                              <p:par>
+                                <p:cTn id="63" presetID="2" presetClass="entr" presetSubtype="4" fill="hold" grpId="0" nodeType="withEffect">
+                                  <p:stCondLst>
+                                    <p:cond delay="0"/>
+                                  </p:stCondLst>
+                                  <p:childTnLst>
+                                    <p:set>
+                                      <p:cBhvr>
+                                        <p:cTn id="64" dur="1" fill="hold">
+                                          <p:stCondLst>
+                                            <p:cond delay="0"/>
+                                          </p:stCondLst>
+                                        </p:cTn>
+                                        <p:tgtEl>
+                                          <p:spTgt spid="53"/>
+                                        </p:tgtEl>
+                                        <p:attrNameLst>
+                                          <p:attrName>style.visibility</p:attrName>
+                                        </p:attrNameLst>
+                                      </p:cBhvr>
+                                      <p:to>
+                                        <p:strVal val="visible"/>
+                                      </p:to>
+                                    </p:set>
+                                    <p:anim calcmode="lin" valueType="num">
+                                      <p:cBhvr additive="base">
+                                        <p:cTn id="65" dur="500" fill="hold"/>
+                                        <p:tgtEl>
+                                          <p:spTgt spid="53"/>
+                                        </p:tgtEl>
+                                        <p:attrNameLst>
+                                          <p:attrName>ppt_x</p:attrName>
+                                        </p:attrNameLst>
+                                      </p:cBhvr>
+                                      <p:tavLst>
+                                        <p:tav tm="0">
+                                          <p:val>
+                                            <p:strVal val="#ppt_x"/>
+                                          </p:val>
+                                        </p:tav>
+                                        <p:tav tm="100000">
+                                          <p:val>
+                                            <p:strVal val="#ppt_x"/>
+                                          </p:val>
+                                        </p:tav>
+                                      </p:tavLst>
+                                    </p:anim>
+                                    <p:anim calcmode="lin" valueType="num">
+                                      <p:cBhvr additive="base">
+                                        <p:cTn id="66" dur="500" fill="hold"/>
+                                        <p:tgtEl>
+                                          <p:spTgt spid="53"/>
+                                        </p:tgtEl>
+                                        <p:attrNameLst>
+                                          <p:attrName>ppt_y</p:attrName>
+                                        </p:attrNameLst>
+                                      </p:cBhvr>
+                                      <p:tavLst>
+                                        <p:tav tm="0">
+                                          <p:val>
+                                            <p:strVal val="1+#ppt_h/2"/>
+                                          </p:val>
+                                        </p:tav>
+                                        <p:tav tm="100000">
+                                          <p:val>
+                                            <p:strVal val="#ppt_y"/>
+                                          </p:val>
+                                        </p:tav>
+                                      </p:tavLst>
+                                    </p:anim>
+                                  </p:childTnLst>
+                                </p:cTn>
+                              </p:par>
+                            </p:childTnLst>
+                          </p:cTn>
+                        </p:par>
+                      </p:childTnLst>
+                    </p:cTn>
+                  </p:par>
+                </p:childTnLst>
+              </p:cTn>
+              <p:prevCondLst>
+                <p:cond evt="onPrev" delay="0">
+                  <p:tgtEl>
+                    <p:sldTgt/>
+                  </p:tgtEl>
+                </p:cond>
+              </p:prevCondLst>
+              <p:nextCondLst>
+                <p:cond evt="onNext" delay="0">
+                  <p:tgtEl>
+                    <p:sldTgt/>
+                  </p:tgtEl>
+                </p:cond>
+              </p:nextCondLst>
+            </p:seq>
+          </p:childTnLst>
+        </p:cTn>
+      </p:par>
+    </p:tnLst>
+    <p:bldLst>
+      <p:bldP spid="6" grpId="0" animBg="1"/>
+      <p:bldP spid="8" grpId="0" animBg="1"/>
+      <p:bldP spid="10" grpId="0" animBg="1"/>
+      <p:bldP spid="13" grpId="0" animBg="1"/>
+      <p:bldP spid="35" grpId="0"/>
+      <p:bldP spid="41" grpId="0" animBg="1"/>
+      <p:bldP spid="42" grpId="0" animBg="1"/>
+      <p:bldP spid="43" grpId="0" animBg="1"/>
+      <p:bldP spid="44" grpId="0"/>
+      <p:bldP spid="45" grpId="0" animBg="1"/>
+      <p:bldP spid="46" grpId="0" animBg="1"/>
+      <p:bldP spid="47" grpId="0" animBg="1"/>
+      <p:bldP spid="48" grpId="0"/>
+      <p:bldP spid="49" grpId="0" animBg="1"/>
+      <p:bldP spid="50" grpId="0" animBg="1"/>
+      <p:bldP spid="51" grpId="0" animBg="1"/>
+      <p:bldP spid="52" grpId="0" animBg="1"/>
+      <p:bldP spid="53" grpId="0"/>
+    </p:bldLst>
+  </p:timing>
+</p:sld>
+</file>
+
+<file path=ppt/slides/slide23.xml><?xml version="1.0" encoding="utf-8"?>
+<p:sld xmlns:a="http://schemas.openxmlformats.org/drawingml/2006/main" xmlns:r="http://schemas.openxmlformats.org/officeDocument/2006/relationships" xmlns:p="http://schemas.openxmlformats.org/presentationml/2006/main">
+  <p:cSld>
+    <p:spTree>
+      <p:nvGrpSpPr>
+        <p:cNvPr id="1" name=""/>
+        <p:cNvGrpSpPr/>
+        <p:nvPr/>
+      </p:nvGrpSpPr>
+      <p:grpSpPr>
+        <a:xfrm>
+          <a:off x="0" y="0"/>
+          <a:ext cx="0" cy="0"/>
+          <a:chOff x="0" y="0"/>
+          <a:chExt cx="0" cy="0"/>
+        </a:xfrm>
+      </p:grpSpPr>
+      <p:sp>
+        <p:nvSpPr>
+          <p:cNvPr id="2" name="Title 1"/>
+          <p:cNvSpPr>
+            <a:spLocks noGrp="1"/>
+          </p:cNvSpPr>
+          <p:nvPr>
+            <p:ph type="title"/>
+          </p:nvPr>
+        </p:nvSpPr>
+        <p:spPr/>
+        <p:txBody>
+          <a:bodyPr>
+            <a:normAutofit/>
+          </a:bodyPr>
+          <a:lstStyle/>
+          <a:p>
+            <a:pPr algn="ctr"/>
+            <a:r>
+              <a:rPr lang="en-US" dirty="0"/>
+              <a:t>The 12 factors are all about…</a:t>
+            </a:r>
+          </a:p>
+        </p:txBody>
+      </p:sp>
+      <p:sp>
+        <p:nvSpPr>
+          <p:cNvPr id="4" name="Content Placeholder 3">
+            <a:extLst>
+              <a:ext uri="{FF2B5EF4-FFF2-40B4-BE49-F238E27FC236}">
+                <a16:creationId xmlns:a16="http://schemas.microsoft.com/office/drawing/2014/main" id="{E2F67D75-9058-C146-8AD9-1ABA51C4B1DA}"/>
+              </a:ext>
+            </a:extLst>
+          </p:cNvPr>
+          <p:cNvSpPr>
+            <a:spLocks noGrp="1"/>
+          </p:cNvSpPr>
+          <p:nvPr>
+            <p:ph idx="1"/>
+          </p:nvPr>
+        </p:nvSpPr>
+        <p:spPr/>
+        <p:txBody>
+          <a:bodyPr/>
+          <a:lstStyle/>
+          <a:p>
+            <a:r>
+              <a:rPr lang="en-US" i="1" dirty="0"/>
+              <a:t>Services should be simple to build, test &amp; deploy</a:t>
+            </a:r>
+          </a:p>
+          <a:p>
+            <a:r>
+              <a:rPr lang="en-US" i="1" dirty="0"/>
+              <a:t>Services should be lightweight</a:t>
+            </a:r>
+          </a:p>
+          <a:p>
+            <a:pPr lvl="1"/>
+            <a:r>
+              <a:rPr lang="en-US" i="1" dirty="0"/>
+              <a:t>Few dependencies, run fast &amp; use less RAM</a:t>
+            </a:r>
+          </a:p>
+          <a:p>
+            <a:pPr lvl="1"/>
+            <a:r>
+              <a:rPr lang="en-US" i="1" dirty="0"/>
+              <a:t>Services should give reproducible results on developer PC as well as test, staging &amp; production clouds</a:t>
+            </a:r>
+          </a:p>
+        </p:txBody>
+      </p:sp>
+    </p:spTree>
+    <p:extLst>
+      <p:ext uri="{BB962C8B-B14F-4D97-AF65-F5344CB8AC3E}">
+        <p14:creationId xmlns:p14="http://schemas.microsoft.com/office/powerpoint/2010/main" val="1567782814"/>
+      </p:ext>
+    </p:extLst>
+  </p:cSld>
+  <p:clrMapOvr>
+    <a:masterClrMapping/>
+  </p:clrMapOvr>
+</p:sld>
+</file>
+
+<file path=ppt/slides/slide24.xml><?xml version="1.0" encoding="utf-8"?>
 <p:sld xmlns:a="http://schemas.openxmlformats.org/drawingml/2006/main" xmlns:r="http://schemas.openxmlformats.org/officeDocument/2006/relationships" xmlns:p="http://schemas.openxmlformats.org/presentationml/2006/main">
   <p:cSld>
     <p:spTree>
@@ -10434,7 +12985,7 @@
 </p:sld>
 </file>
 
-<file path=ppt/slides/slide21.xml><?xml version="1.0" encoding="utf-8"?>
+<file path=ppt/slides/slide25.xml><?xml version="1.0" encoding="utf-8"?>
 <p:sld xmlns:a="http://schemas.openxmlformats.org/drawingml/2006/main" xmlns:r="http://schemas.openxmlformats.org/officeDocument/2006/relationships" xmlns:p="http://schemas.openxmlformats.org/presentationml/2006/main">
   <p:cSld>
     <p:spTree>
@@ -10524,7 +13075,7 @@
 </p:sld>
 </file>
 
-<file path=ppt/slides/slide22.xml><?xml version="1.0" encoding="utf-8"?>
+<file path=ppt/slides/slide26.xml><?xml version="1.0" encoding="utf-8"?>
 <p:sld xmlns:a="http://schemas.openxmlformats.org/drawingml/2006/main" xmlns:r="http://schemas.openxmlformats.org/officeDocument/2006/relationships" xmlns:p="http://schemas.openxmlformats.org/presentationml/2006/main">
   <p:cSld>
     <p:spTree>
@@ -10689,7 +13240,7 @@
 </p:sld>
 </file>
 
-<file path=ppt/slides/slide23.xml><?xml version="1.0" encoding="utf-8"?>
+<file path=ppt/slides/slide27.xml><?xml version="1.0" encoding="utf-8"?>
 <p:sld xmlns:a="http://schemas.openxmlformats.org/drawingml/2006/main" xmlns:r="http://schemas.openxmlformats.org/officeDocument/2006/relationships" xmlns:p="http://schemas.openxmlformats.org/presentationml/2006/main">
   <p:cSld>
     <p:spTree>
@@ -11804,6 +14355,245 @@
         </p:nvSpPr>
         <p:spPr/>
         <p:txBody>
+          <a:bodyPr/>
+          <a:lstStyle/>
+          <a:p>
+            <a:r>
+              <a:rPr lang="en-US" dirty="0"/>
+              <a:t>Handling Failure</a:t>
+            </a:r>
+          </a:p>
+        </p:txBody>
+      </p:sp>
+      <p:sp>
+        <p:nvSpPr>
+          <p:cNvPr id="6" name="Content Placeholder 5">
+            <a:extLst>
+              <a:ext uri="{FF2B5EF4-FFF2-40B4-BE49-F238E27FC236}">
+                <a16:creationId xmlns:a16="http://schemas.microsoft.com/office/drawing/2014/main" id="{F25032F0-73AE-1447-B075-150E525C114F}"/>
+              </a:ext>
+            </a:extLst>
+          </p:cNvPr>
+          <p:cNvSpPr>
+            <a:spLocks noGrp="1"/>
+          </p:cNvSpPr>
+          <p:nvPr>
+            <p:ph idx="1"/>
+          </p:nvPr>
+        </p:nvSpPr>
+        <p:spPr/>
+        <p:txBody>
+          <a:bodyPr>
+            <a:normAutofit/>
+          </a:bodyPr>
+          <a:lstStyle/>
+          <a:p>
+            <a:r>
+              <a:rPr lang="en-US" dirty="0"/>
+              <a:t>Since failure is inevitable &amp; unavoidable, embrace it</a:t>
+            </a:r>
+          </a:p>
+          <a:p>
+            <a:pPr lvl="1"/>
+            <a:r>
+              <a:rPr lang="en-US" dirty="0"/>
+              <a:t>Architect assuming failures will happen; thinks cattle, not pets</a:t>
+            </a:r>
+          </a:p>
+          <a:p>
+            <a:pPr lvl="1"/>
+            <a:r>
+              <a:rPr lang="en-US" dirty="0"/>
+              <a:t>Use orchestrator that avoids single points of failure</a:t>
+            </a:r>
+          </a:p>
+          <a:p>
+            <a:pPr lvl="2"/>
+            <a:r>
+              <a:rPr lang="en-US" dirty="0"/>
+              <a:t>Run multiple instances of services, replicate data, etc.</a:t>
+            </a:r>
+          </a:p>
+          <a:p>
+            <a:pPr lvl="1"/>
+            <a:endParaRPr lang="en-US" dirty="0"/>
+          </a:p>
+          <a:p>
+            <a:endParaRPr lang="en-US" dirty="0"/>
+          </a:p>
+          <a:p>
+            <a:pPr lvl="1"/>
+            <a:endParaRPr lang="en-US" dirty="0"/>
+          </a:p>
+        </p:txBody>
+      </p:sp>
+    </p:spTree>
+    <p:extLst>
+      <p:ext uri="{BB962C8B-B14F-4D97-AF65-F5344CB8AC3E}">
+        <p14:creationId xmlns:p14="http://schemas.microsoft.com/office/powerpoint/2010/main" val="2087805349"/>
+      </p:ext>
+    </p:extLst>
+  </p:cSld>
+  <p:clrMapOvr>
+    <a:masterClrMapping/>
+  </p:clrMapOvr>
+</p:sld>
+</file>
+
+<file path=ppt/slides/slide8.xml><?xml version="1.0" encoding="utf-8"?>
+<p:sld xmlns:a="http://schemas.openxmlformats.org/drawingml/2006/main" xmlns:r="http://schemas.openxmlformats.org/officeDocument/2006/relationships" xmlns:p="http://schemas.openxmlformats.org/presentationml/2006/main">
+  <p:cSld>
+    <p:spTree>
+      <p:nvGrpSpPr>
+        <p:cNvPr id="1" name=""/>
+        <p:cNvGrpSpPr/>
+        <p:nvPr/>
+      </p:nvGrpSpPr>
+      <p:grpSpPr>
+        <a:xfrm>
+          <a:off x="0" y="0"/>
+          <a:ext cx="0" cy="0"/>
+          <a:chOff x="0" y="0"/>
+          <a:chExt cx="0" cy="0"/>
+        </a:xfrm>
+      </p:grpSpPr>
+      <p:sp>
+        <p:nvSpPr>
+          <p:cNvPr id="2" name="Title 1"/>
+          <p:cNvSpPr>
+            <a:spLocks noGrp="1"/>
+          </p:cNvSpPr>
+          <p:nvPr>
+            <p:ph type="title"/>
+          </p:nvPr>
+        </p:nvSpPr>
+        <p:spPr/>
+        <p:txBody>
+          <a:bodyPr/>
+          <a:lstStyle/>
+          <a:p>
+            <a:r>
+              <a:rPr lang="en-US" dirty="0"/>
+              <a:t>Orchestrators</a:t>
+            </a:r>
+          </a:p>
+        </p:txBody>
+      </p:sp>
+      <p:sp>
+        <p:nvSpPr>
+          <p:cNvPr id="6" name="Content Placeholder 5">
+            <a:extLst>
+              <a:ext uri="{FF2B5EF4-FFF2-40B4-BE49-F238E27FC236}">
+                <a16:creationId xmlns:a16="http://schemas.microsoft.com/office/drawing/2014/main" id="{F25032F0-73AE-1447-B075-150E525C114F}"/>
+              </a:ext>
+            </a:extLst>
+          </p:cNvPr>
+          <p:cNvSpPr>
+            <a:spLocks noGrp="1"/>
+          </p:cNvSpPr>
+          <p:nvPr>
+            <p:ph idx="1"/>
+          </p:nvPr>
+        </p:nvSpPr>
+        <p:spPr/>
+        <p:txBody>
+          <a:bodyPr>
+            <a:normAutofit/>
+          </a:bodyPr>
+          <a:lstStyle/>
+          <a:p>
+            <a:r>
+              <a:rPr lang="en-US" dirty="0"/>
+              <a:t>Manage a cluster’s (set of PC/VMs) lifecycle, networking, health, upgrades, scaling &amp; deploys/runs service code</a:t>
+            </a:r>
+          </a:p>
+          <a:p>
+            <a:endParaRPr lang="en-US" dirty="0"/>
+          </a:p>
+          <a:p>
+            <a:pPr lvl="1"/>
+            <a:endParaRPr lang="en-US" dirty="0"/>
+          </a:p>
+        </p:txBody>
+      </p:sp>
+      <p:pic>
+        <p:nvPicPr>
+          <p:cNvPr id="11" name="Picture 10">
+            <a:extLst>
+              <a:ext uri="{FF2B5EF4-FFF2-40B4-BE49-F238E27FC236}">
+                <a16:creationId xmlns:a16="http://schemas.microsoft.com/office/drawing/2014/main" id="{8CF32F2E-A815-2544-9D6D-353A47829CCC}"/>
+              </a:ext>
+            </a:extLst>
+          </p:cNvPr>
+          <p:cNvPicPr>
+            <a:picLocks noChangeAspect="1"/>
+          </p:cNvPicPr>
+          <p:nvPr/>
+        </p:nvPicPr>
+        <p:blipFill>
+          <a:blip r:embed="rId3">
+            <a:extLst>
+              <a:ext uri="{28A0092B-C50C-407E-A947-70E740481C1C}">
+                <a14:useLocalDpi xmlns:a14="http://schemas.microsoft.com/office/drawing/2010/main" val="0"/>
+              </a:ext>
+            </a:extLst>
+          </a:blip>
+          <a:stretch>
+            <a:fillRect/>
+          </a:stretch>
+        </p:blipFill>
+        <p:spPr>
+          <a:xfrm>
+            <a:off x="1691680" y="3140968"/>
+            <a:ext cx="5177824" cy="2495337"/>
+          </a:xfrm>
+          <a:prstGeom prst="rect">
+            <a:avLst/>
+          </a:prstGeom>
+        </p:spPr>
+      </p:pic>
+    </p:spTree>
+    <p:extLst>
+      <p:ext uri="{BB962C8B-B14F-4D97-AF65-F5344CB8AC3E}">
+        <p14:creationId xmlns:p14="http://schemas.microsoft.com/office/powerpoint/2010/main" val="2971983831"/>
+      </p:ext>
+    </p:extLst>
+  </p:cSld>
+  <p:clrMapOvr>
+    <a:masterClrMapping/>
+  </p:clrMapOvr>
+</p:sld>
+</file>
+
+<file path=ppt/slides/slide9.xml><?xml version="1.0" encoding="utf-8"?>
+<p:sld xmlns:a="http://schemas.openxmlformats.org/drawingml/2006/main" xmlns:r="http://schemas.openxmlformats.org/officeDocument/2006/relationships" xmlns:p="http://schemas.openxmlformats.org/presentationml/2006/main">
+  <p:cSld>
+    <p:spTree>
+      <p:nvGrpSpPr>
+        <p:cNvPr id="1" name=""/>
+        <p:cNvGrpSpPr/>
+        <p:nvPr/>
+      </p:nvGrpSpPr>
+      <p:grpSpPr>
+        <a:xfrm>
+          <a:off x="0" y="0"/>
+          <a:ext cx="0" cy="0"/>
+          <a:chOff x="0" y="0"/>
+          <a:chExt cx="0" cy="0"/>
+        </a:xfrm>
+      </p:grpSpPr>
+      <p:sp>
+        <p:nvSpPr>
+          <p:cNvPr id="2" name="Title 1"/>
+          <p:cNvSpPr>
+            <a:spLocks noGrp="1"/>
+          </p:cNvSpPr>
+          <p:nvPr>
+            <p:ph type="title"/>
+          </p:nvPr>
+        </p:nvSpPr>
+        <p:spPr/>
+        <p:txBody>
           <a:bodyPr>
             <a:normAutofit fontScale="90000"/>
           </a:bodyPr>
@@ -12059,265 +14849,6 @@
     <p:extLst>
       <p:ext uri="{BB962C8B-B14F-4D97-AF65-F5344CB8AC3E}">
         <p14:creationId xmlns:p14="http://schemas.microsoft.com/office/powerpoint/2010/main" val="3500882415"/>
-      </p:ext>
-    </p:extLst>
-  </p:cSld>
-  <p:clrMapOvr>
-    <a:masterClrMapping/>
-  </p:clrMapOvr>
-</p:sld>
-</file>
-
-<file path=ppt/slides/slide8.xml><?xml version="1.0" encoding="utf-8"?>
-<p:sld xmlns:a="http://schemas.openxmlformats.org/drawingml/2006/main" xmlns:r="http://schemas.openxmlformats.org/officeDocument/2006/relationships" xmlns:p="http://schemas.openxmlformats.org/presentationml/2006/main">
-  <p:cSld>
-    <p:spTree>
-      <p:nvGrpSpPr>
-        <p:cNvPr id="1" name=""/>
-        <p:cNvGrpSpPr/>
-        <p:nvPr/>
-      </p:nvGrpSpPr>
-      <p:grpSpPr>
-        <a:xfrm>
-          <a:off x="0" y="0"/>
-          <a:ext cx="0" cy="0"/>
-          <a:chOff x="0" y="0"/>
-          <a:chExt cx="0" cy="0"/>
-        </a:xfrm>
-      </p:grpSpPr>
-      <p:sp>
-        <p:nvSpPr>
-          <p:cNvPr id="2" name="Title 1"/>
-          <p:cNvSpPr>
-            <a:spLocks noGrp="1"/>
-          </p:cNvSpPr>
-          <p:nvPr>
-            <p:ph type="title"/>
-          </p:nvPr>
-        </p:nvSpPr>
-        <p:spPr/>
-        <p:txBody>
-          <a:bodyPr>
-            <a:normAutofit fontScale="90000"/>
-          </a:bodyPr>
-          <a:lstStyle/>
-          <a:p>
-            <a:r>
-              <a:rPr lang="en-US" dirty="0"/>
-              <a:t>Distributed Cloud Apps - Microservices</a:t>
-            </a:r>
-          </a:p>
-        </p:txBody>
-      </p:sp>
-      <p:pic>
-        <p:nvPicPr>
-          <p:cNvPr id="6" name="Content Placeholder 5">
-            <a:extLst>
-              <a:ext uri="{FF2B5EF4-FFF2-40B4-BE49-F238E27FC236}">
-                <a16:creationId xmlns:a16="http://schemas.microsoft.com/office/drawing/2014/main" id="{3F96A656-B5F8-C845-B50D-6384B09F9281}"/>
-              </a:ext>
-            </a:extLst>
-          </p:cNvPr>
-          <p:cNvPicPr>
-            <a:picLocks noGrp="1" noChangeAspect="1"/>
-          </p:cNvPicPr>
-          <p:nvPr>
-            <p:ph idx="1"/>
-          </p:nvPr>
-        </p:nvPicPr>
-        <p:blipFill>
-          <a:blip r:embed="rId3">
-            <a:extLst>
-              <a:ext uri="{28A0092B-C50C-407E-A947-70E740481C1C}">
-                <a14:useLocalDpi xmlns:a14="http://schemas.microsoft.com/office/drawing/2010/main" val="0"/>
-              </a:ext>
-            </a:extLst>
-          </a:blip>
-          <a:stretch>
-            <a:fillRect/>
-          </a:stretch>
-        </p:blipFill>
-        <p:spPr>
-          <a:xfrm>
-            <a:off x="611188" y="1992272"/>
-            <a:ext cx="7993062" cy="3648155"/>
-          </a:xfrm>
-        </p:spPr>
-      </p:pic>
-    </p:spTree>
-    <p:extLst>
-      <p:ext uri="{BB962C8B-B14F-4D97-AF65-F5344CB8AC3E}">
-        <p14:creationId xmlns:p14="http://schemas.microsoft.com/office/powerpoint/2010/main" val="2018426177"/>
-      </p:ext>
-    </p:extLst>
-  </p:cSld>
-  <p:clrMapOvr>
-    <a:masterClrMapping/>
-  </p:clrMapOvr>
-</p:sld>
-</file>
-
-<file path=ppt/slides/slide9.xml><?xml version="1.0" encoding="utf-8"?>
-<p:sld xmlns:a="http://schemas.openxmlformats.org/drawingml/2006/main" xmlns:r="http://schemas.openxmlformats.org/officeDocument/2006/relationships" xmlns:p="http://schemas.openxmlformats.org/presentationml/2006/main">
-  <p:cSld>
-    <p:spTree>
-      <p:nvGrpSpPr>
-        <p:cNvPr id="1" name=""/>
-        <p:cNvGrpSpPr/>
-        <p:nvPr/>
-      </p:nvGrpSpPr>
-      <p:grpSpPr>
-        <a:xfrm>
-          <a:off x="0" y="0"/>
-          <a:ext cx="0" cy="0"/>
-          <a:chOff x="0" y="0"/>
-          <a:chExt cx="0" cy="0"/>
-        </a:xfrm>
-      </p:grpSpPr>
-      <p:sp>
-        <p:nvSpPr>
-          <p:cNvPr id="2" name="Title 1"/>
-          <p:cNvSpPr>
-            <a:spLocks noGrp="1"/>
-          </p:cNvSpPr>
-          <p:nvPr>
-            <p:ph type="title"/>
-          </p:nvPr>
-        </p:nvSpPr>
-        <p:spPr/>
-        <p:txBody>
-          <a:bodyPr>
-            <a:normAutofit fontScale="90000"/>
-          </a:bodyPr>
-          <a:lstStyle/>
-          <a:p>
-            <a:pPr algn="ctr"/>
-            <a:r>
-              <a:rPr lang="en-US" dirty="0"/>
-              <a:t>Reasons to split monolithic app to microservices</a:t>
-            </a:r>
-          </a:p>
-        </p:txBody>
-      </p:sp>
-      <p:sp>
-        <p:nvSpPr>
-          <p:cNvPr id="4" name="Content Placeholder 3">
-            <a:extLst>
-              <a:ext uri="{FF2B5EF4-FFF2-40B4-BE49-F238E27FC236}">
-                <a16:creationId xmlns:a16="http://schemas.microsoft.com/office/drawing/2014/main" id="{E2F67D75-9058-C146-8AD9-1ABA51C4B1DA}"/>
-              </a:ext>
-            </a:extLst>
-          </p:cNvPr>
-          <p:cNvSpPr>
-            <a:spLocks noGrp="1"/>
-          </p:cNvSpPr>
-          <p:nvPr>
-            <p:ph idx="1"/>
-          </p:nvPr>
-        </p:nvSpPr>
-        <p:spPr/>
-        <p:txBody>
-          <a:bodyPr/>
-          <a:lstStyle/>
-          <a:p>
-            <a:r>
-              <a:rPr lang="en-US" dirty="0"/>
-              <a:t>Scale Independently (Balance cost with speed)</a:t>
-            </a:r>
-          </a:p>
-          <a:p>
-            <a:endParaRPr lang="en-US" dirty="0"/>
-          </a:p>
-          <a:p>
-            <a:endParaRPr lang="en-US" dirty="0"/>
-          </a:p>
-          <a:p>
-            <a:endParaRPr lang="en-US" dirty="0"/>
-          </a:p>
-          <a:p>
-            <a:r>
-              <a:rPr lang="en-US" dirty="0"/>
-              <a:t>Different Technology Stacks</a:t>
-            </a:r>
-          </a:p>
-        </p:txBody>
-      </p:sp>
-      <p:pic>
-        <p:nvPicPr>
-          <p:cNvPr id="7" name="Picture 6">
-            <a:extLst>
-              <a:ext uri="{FF2B5EF4-FFF2-40B4-BE49-F238E27FC236}">
-                <a16:creationId xmlns:a16="http://schemas.microsoft.com/office/drawing/2014/main" id="{7331A5FB-3ADA-F74D-B983-5F5764CC2E3C}"/>
-              </a:ext>
-            </a:extLst>
-          </p:cNvPr>
-          <p:cNvPicPr>
-            <a:picLocks noChangeAspect="1"/>
-          </p:cNvPicPr>
-          <p:nvPr/>
-        </p:nvPicPr>
-        <p:blipFill>
-          <a:blip r:embed="rId3">
-            <a:extLst>
-              <a:ext uri="{28A0092B-C50C-407E-A947-70E740481C1C}">
-                <a14:useLocalDpi xmlns:a14="http://schemas.microsoft.com/office/drawing/2010/main" val="0"/>
-              </a:ext>
-            </a:extLst>
-          </a:blip>
-          <a:stretch>
-            <a:fillRect/>
-          </a:stretch>
-        </p:blipFill>
-        <p:spPr>
-          <a:xfrm>
-            <a:off x="899592" y="2204864"/>
-            <a:ext cx="4292600" cy="1066800"/>
-          </a:xfrm>
-          <a:prstGeom prst="rect">
-            <a:avLst/>
-          </a:prstGeom>
-        </p:spPr>
-      </p:pic>
-      <p:pic>
-        <p:nvPicPr>
-          <p:cNvPr id="9" name="Picture 8">
-            <a:extLst>
-              <a:ext uri="{FF2B5EF4-FFF2-40B4-BE49-F238E27FC236}">
-                <a16:creationId xmlns:a16="http://schemas.microsoft.com/office/drawing/2014/main" id="{DBD9A8FA-F014-BE40-99A3-F839B7D38D60}"/>
-              </a:ext>
-            </a:extLst>
-          </p:cNvPr>
-          <p:cNvPicPr>
-            <a:picLocks noChangeAspect="1"/>
-          </p:cNvPicPr>
-          <p:nvPr/>
-        </p:nvPicPr>
-        <p:blipFill>
-          <a:blip r:embed="rId4">
-            <a:extLst>
-              <a:ext uri="{28A0092B-C50C-407E-A947-70E740481C1C}">
-                <a14:useLocalDpi xmlns:a14="http://schemas.microsoft.com/office/drawing/2010/main" val="0"/>
-              </a:ext>
-            </a:extLst>
-          </a:blip>
-          <a:stretch>
-            <a:fillRect/>
-          </a:stretch>
-        </p:blipFill>
-        <p:spPr>
-          <a:xfrm>
-            <a:off x="983556" y="4318662"/>
-            <a:ext cx="4241800" cy="774700"/>
-          </a:xfrm>
-          <a:prstGeom prst="rect">
-            <a:avLst/>
-          </a:prstGeom>
-        </p:spPr>
-      </p:pic>
-    </p:spTree>
-    <p:extLst>
-      <p:ext uri="{BB962C8B-B14F-4D97-AF65-F5344CB8AC3E}">
-        <p14:creationId xmlns:p14="http://schemas.microsoft.com/office/powerpoint/2010/main" val="2845375795"/>
       </p:ext>
     </p:extLst>
   </p:cSld>
